--- a/external_files/git.pptx
+++ b/external_files/git.pptx
@@ -6,6 +6,9 @@
   </p:sldMasterIdLst>
   <p:sldIdLst>
     <p:sldId id="256" r:id="rId2"/>
+    <p:sldId id="259" r:id="rId3"/>
+    <p:sldId id="257" r:id="rId4"/>
+    <p:sldId id="258" r:id="rId5"/>
   </p:sldIdLst>
   <p:sldSz cx="12192000" cy="6858000"/>
   <p:notesSz cx="6858000" cy="9144000"/>
@@ -104,6 +107,11 @@
       </a:defRPr>
     </a:lvl9pPr>
   </p:defaultTextStyle>
+  <p:extLst>
+    <p:ext uri="{EFAFB233-063F-42B5-8137-9DF3F51BA10A}">
+      <p15:sldGuideLst xmlns:p15="http://schemas.microsoft.com/office/powerpoint/2012/main"/>
+    </p:ext>
+  </p:extLst>
 </p:presentation>
 </file>
 
@@ -256,7 +264,7 @@
           <a:p>
             <a:fld id="{04FDC53F-85C3-9A48-8E81-A8CB8C94E691}" type="datetimeFigureOut">
               <a:rPr lang="en-HU" smtClean="0"/>
-              <a:t>2022. 03. 24.</a:t>
+              <a:t>03/26/2022</a:t>
             </a:fld>
             <a:endParaRPr lang="en-HU"/>
           </a:p>
@@ -456,7 +464,7 @@
           <a:p>
             <a:fld id="{04FDC53F-85C3-9A48-8E81-A8CB8C94E691}" type="datetimeFigureOut">
               <a:rPr lang="en-HU" smtClean="0"/>
-              <a:t>2022. 03. 24.</a:t>
+              <a:t>03/26/2022</a:t>
             </a:fld>
             <a:endParaRPr lang="en-HU"/>
           </a:p>
@@ -666,7 +674,7 @@
           <a:p>
             <a:fld id="{04FDC53F-85C3-9A48-8E81-A8CB8C94E691}" type="datetimeFigureOut">
               <a:rPr lang="en-HU" smtClean="0"/>
-              <a:t>2022. 03. 24.</a:t>
+              <a:t>03/26/2022</a:t>
             </a:fld>
             <a:endParaRPr lang="en-HU"/>
           </a:p>
@@ -866,7 +874,7 @@
           <a:p>
             <a:fld id="{04FDC53F-85C3-9A48-8E81-A8CB8C94E691}" type="datetimeFigureOut">
               <a:rPr lang="en-HU" smtClean="0"/>
-              <a:t>2022. 03. 24.</a:t>
+              <a:t>03/26/2022</a:t>
             </a:fld>
             <a:endParaRPr lang="en-HU"/>
           </a:p>
@@ -1142,7 +1150,7 @@
           <a:p>
             <a:fld id="{04FDC53F-85C3-9A48-8E81-A8CB8C94E691}" type="datetimeFigureOut">
               <a:rPr lang="en-HU" smtClean="0"/>
-              <a:t>2022. 03. 24.</a:t>
+              <a:t>03/26/2022</a:t>
             </a:fld>
             <a:endParaRPr lang="en-HU"/>
           </a:p>
@@ -1410,7 +1418,7 @@
           <a:p>
             <a:fld id="{04FDC53F-85C3-9A48-8E81-A8CB8C94E691}" type="datetimeFigureOut">
               <a:rPr lang="en-HU" smtClean="0"/>
-              <a:t>2022. 03. 24.</a:t>
+              <a:t>03/26/2022</a:t>
             </a:fld>
             <a:endParaRPr lang="en-HU"/>
           </a:p>
@@ -1825,7 +1833,7 @@
           <a:p>
             <a:fld id="{04FDC53F-85C3-9A48-8E81-A8CB8C94E691}" type="datetimeFigureOut">
               <a:rPr lang="en-HU" smtClean="0"/>
-              <a:t>2022. 03. 24.</a:t>
+              <a:t>03/26/2022</a:t>
             </a:fld>
             <a:endParaRPr lang="en-HU"/>
           </a:p>
@@ -1967,7 +1975,7 @@
           <a:p>
             <a:fld id="{04FDC53F-85C3-9A48-8E81-A8CB8C94E691}" type="datetimeFigureOut">
               <a:rPr lang="en-HU" smtClean="0"/>
-              <a:t>2022. 03. 24.</a:t>
+              <a:t>03/26/2022</a:t>
             </a:fld>
             <a:endParaRPr lang="en-HU"/>
           </a:p>
@@ -2080,7 +2088,7 @@
           <a:p>
             <a:fld id="{04FDC53F-85C3-9A48-8E81-A8CB8C94E691}" type="datetimeFigureOut">
               <a:rPr lang="en-HU" smtClean="0"/>
-              <a:t>2022. 03. 24.</a:t>
+              <a:t>03/26/2022</a:t>
             </a:fld>
             <a:endParaRPr lang="en-HU"/>
           </a:p>
@@ -2393,7 +2401,7 @@
           <a:p>
             <a:fld id="{04FDC53F-85C3-9A48-8E81-A8CB8C94E691}" type="datetimeFigureOut">
               <a:rPr lang="en-HU" smtClean="0"/>
-              <a:t>2022. 03. 24.</a:t>
+              <a:t>03/26/2022</a:t>
             </a:fld>
             <a:endParaRPr lang="en-HU"/>
           </a:p>
@@ -2682,7 +2690,7 @@
           <a:p>
             <a:fld id="{04FDC53F-85C3-9A48-8E81-A8CB8C94E691}" type="datetimeFigureOut">
               <a:rPr lang="en-HU" smtClean="0"/>
-              <a:t>2022. 03. 24.</a:t>
+              <a:t>03/26/2022</a:t>
             </a:fld>
             <a:endParaRPr lang="en-HU"/>
           </a:p>
@@ -2925,7 +2933,7 @@
           <a:p>
             <a:fld id="{04FDC53F-85C3-9A48-8E81-A8CB8C94E691}" type="datetimeFigureOut">
               <a:rPr lang="en-HU" smtClean="0"/>
-              <a:t>2022. 03. 24.</a:t>
+              <a:t>03/26/2022</a:t>
             </a:fld>
             <a:endParaRPr lang="en-HU"/>
           </a:p>
@@ -3671,8 +3679,8 @@
           </a:p>
         </p:txBody>
       </p:sp>
-      <mc:AlternateContent xmlns:mc="http://schemas.openxmlformats.org/markup-compatibility/2006">
-        <mc:Choice xmlns:a14="http://schemas.microsoft.com/office/drawing/2010/main" Requires="a14">
+      <mc:AlternateContent xmlns:mc="http://schemas.openxmlformats.org/markup-compatibility/2006" xmlns:a14="http://schemas.microsoft.com/office/drawing/2010/main">
+        <mc:Choice Requires="a14">
           <p:sp>
             <p:nvSpPr>
               <p:cNvPr id="21" name="TextBox 20">
@@ -3701,6 +3709,7 @@
               </a:bodyPr>
               <a:lstStyle/>
               <a:p>
+                <a:pPr/>
                 <a14:m>
                   <m:oMathPara xmlns:m="http://schemas.openxmlformats.org/officeDocument/2006/math">
                     <m:oMathParaPr>
@@ -3746,7 +3755,7 @@
             </p:txBody>
           </p:sp>
         </mc:Choice>
-        <mc:Fallback>
+        <mc:Fallback xmlns="">
           <p:sp>
             <p:nvSpPr>
               <p:cNvPr id="21" name="TextBox 20">
@@ -3791,8 +3800,8 @@
           </p:sp>
         </mc:Fallback>
       </mc:AlternateContent>
-      <mc:AlternateContent xmlns:mc="http://schemas.openxmlformats.org/markup-compatibility/2006">
-        <mc:Choice xmlns:a14="http://schemas.microsoft.com/office/drawing/2010/main" Requires="a14">
+      <mc:AlternateContent xmlns:mc="http://schemas.openxmlformats.org/markup-compatibility/2006" xmlns:a14="http://schemas.microsoft.com/office/drawing/2010/main">
+        <mc:Choice Requires="a14">
           <p:sp>
             <p:nvSpPr>
               <p:cNvPr id="25" name="TextBox 24">
@@ -3821,6 +3830,7 @@
               </a:bodyPr>
               <a:lstStyle/>
               <a:p>
+                <a:pPr/>
                 <a14:m>
                   <m:oMathPara xmlns:m="http://schemas.openxmlformats.org/officeDocument/2006/math">
                     <m:oMathParaPr>
@@ -3866,7 +3876,7 @@
             </p:txBody>
           </p:sp>
         </mc:Choice>
-        <mc:Fallback>
+        <mc:Fallback xmlns="">
           <p:sp>
             <p:nvSpPr>
               <p:cNvPr id="25" name="TextBox 24">
@@ -3911,8 +3921,8 @@
           </p:sp>
         </mc:Fallback>
       </mc:AlternateContent>
-      <mc:AlternateContent xmlns:mc="http://schemas.openxmlformats.org/markup-compatibility/2006">
-        <mc:Choice xmlns:a14="http://schemas.microsoft.com/office/drawing/2010/main" Requires="a14">
+      <mc:AlternateContent xmlns:mc="http://schemas.openxmlformats.org/markup-compatibility/2006" xmlns:a14="http://schemas.microsoft.com/office/drawing/2010/main">
+        <mc:Choice Requires="a14">
           <p:sp>
             <p:nvSpPr>
               <p:cNvPr id="26" name="TextBox 25">
@@ -3941,6 +3951,7 @@
               </a:bodyPr>
               <a:lstStyle/>
               <a:p>
+                <a:pPr/>
                 <a14:m>
                   <m:oMathPara xmlns:m="http://schemas.openxmlformats.org/officeDocument/2006/math">
                     <m:oMathParaPr>
@@ -3986,7 +3997,7 @@
             </p:txBody>
           </p:sp>
         </mc:Choice>
-        <mc:Fallback>
+        <mc:Fallback xmlns="">
           <p:sp>
             <p:nvSpPr>
               <p:cNvPr id="26" name="TextBox 25">
@@ -4139,8 +4150,8 @@
           </a:p>
         </p:txBody>
       </p:sp>
-      <mc:AlternateContent xmlns:mc="http://schemas.openxmlformats.org/markup-compatibility/2006">
-        <mc:Choice xmlns:a14="http://schemas.microsoft.com/office/drawing/2010/main" Requires="a14">
+      <mc:AlternateContent xmlns:mc="http://schemas.openxmlformats.org/markup-compatibility/2006" xmlns:a14="http://schemas.microsoft.com/office/drawing/2010/main">
+        <mc:Choice Requires="a14">
           <p:sp>
             <p:nvSpPr>
               <p:cNvPr id="31" name="TextBox 30">
@@ -4169,6 +4180,7 @@
               </a:bodyPr>
               <a:lstStyle/>
               <a:p>
+                <a:pPr/>
                 <a14:m>
                   <m:oMathPara xmlns:m="http://schemas.openxmlformats.org/officeDocument/2006/math">
                     <m:oMathParaPr>
@@ -4214,7 +4226,7 @@
             </p:txBody>
           </p:sp>
         </mc:Choice>
-        <mc:Fallback>
+        <mc:Fallback xmlns="">
           <p:sp>
             <p:nvSpPr>
               <p:cNvPr id="31" name="TextBox 30">
@@ -4259,6 +4271,622 @@
           </p:sp>
         </mc:Fallback>
       </mc:AlternateContent>
+      <mc:AlternateContent xmlns:mc="http://schemas.openxmlformats.org/markup-compatibility/2006" xmlns:a14="http://schemas.microsoft.com/office/drawing/2010/main">
+        <mc:Choice Requires="a14">
+          <p:sp>
+            <p:nvSpPr>
+              <p:cNvPr id="32" name="TextBox 31">
+                <a:extLst>
+                  <a:ext uri="{FF2B5EF4-FFF2-40B4-BE49-F238E27FC236}">
+                    <a16:creationId xmlns:a16="http://schemas.microsoft.com/office/drawing/2014/main" id="{AF71D9CD-2256-744B-AD14-718AE8A297F2}"/>
+                  </a:ext>
+                </a:extLst>
+              </p:cNvPr>
+              <p:cNvSpPr txBox="1"/>
+              <p:nvPr/>
+            </p:nvSpPr>
+            <p:spPr>
+              <a:xfrm>
+                <a:off x="1081643" y="740503"/>
+                <a:ext cx="837089" cy="276999"/>
+              </a:xfrm>
+              <a:prstGeom prst="rect">
+                <a:avLst/>
+              </a:prstGeom>
+              <a:noFill/>
+            </p:spPr>
+            <p:txBody>
+              <a:bodyPr wrap="none" lIns="0" tIns="0" rIns="0" bIns="0" rtlCol="0">
+                <a:spAutoFit/>
+              </a:bodyPr>
+              <a:lstStyle/>
+              <a:p>
+                <a:pPr/>
+                <a14:m>
+                  <m:oMathPara xmlns:m="http://schemas.openxmlformats.org/officeDocument/2006/math">
+                    <m:oMathParaPr>
+                      <m:jc m:val="centerGroup"/>
+                    </m:oMathParaPr>
+                    <m:oMath xmlns:m="http://schemas.openxmlformats.org/officeDocument/2006/math">
+                      <m:r>
+                        <a:rPr lang="hu-HU" b="0" i="1" smtClean="0">
+                          <a:latin typeface="Cambria Math" panose="02040503050406030204" pitchFamily="18" charset="0"/>
+                        </a:rPr>
+                        <m:t>𝑉𝑒𝑟𝑧𝑖</m:t>
+                      </m:r>
+                      <m:sSub>
+                        <m:sSubPr>
+                          <m:ctrlPr>
+                            <a:rPr lang="hu-HU" b="0" i="1" smtClean="0">
+                              <a:latin typeface="Cambria Math" panose="02040503050406030204" pitchFamily="18" charset="0"/>
+                            </a:rPr>
+                          </m:ctrlPr>
+                        </m:sSubPr>
+                        <m:e>
+                          <m:r>
+                            <a:rPr lang="hu-HU" b="0" i="1" smtClean="0">
+                              <a:latin typeface="Cambria Math" panose="02040503050406030204" pitchFamily="18" charset="0"/>
+                            </a:rPr>
+                            <m:t>ó</m:t>
+                          </m:r>
+                        </m:e>
+                        <m:sub>
+                          <m:r>
+                            <a:rPr lang="hu-HU" b="0" i="1" smtClean="0">
+                              <a:latin typeface="Cambria Math" panose="02040503050406030204" pitchFamily="18" charset="0"/>
+                            </a:rPr>
+                            <m:t>1</m:t>
+                          </m:r>
+                        </m:sub>
+                      </m:sSub>
+                    </m:oMath>
+                  </m:oMathPara>
+                </a14:m>
+                <a:endParaRPr lang="en-HU" dirty="0"/>
+              </a:p>
+            </p:txBody>
+          </p:sp>
+        </mc:Choice>
+        <mc:Fallback xmlns="">
+          <p:sp>
+            <p:nvSpPr>
+              <p:cNvPr id="32" name="TextBox 31">
+                <a:extLst>
+                  <a:ext uri="{FF2B5EF4-FFF2-40B4-BE49-F238E27FC236}">
+                    <a16:creationId xmlns:a16="http://schemas.microsoft.com/office/drawing/2014/main" id="{AF71D9CD-2256-744B-AD14-718AE8A297F2}"/>
+                  </a:ext>
+                </a:extLst>
+              </p:cNvPr>
+              <p:cNvSpPr txBox="1">
+                <a:spLocks noRot="1" noChangeAspect="1" noMove="1" noResize="1" noEditPoints="1" noAdjustHandles="1" noChangeArrowheads="1" noChangeShapeType="1" noTextEdit="1"/>
+              </p:cNvSpPr>
+              <p:nvPr/>
+            </p:nvSpPr>
+            <p:spPr>
+              <a:xfrm>
+                <a:off x="1081643" y="740503"/>
+                <a:ext cx="837089" cy="276999"/>
+              </a:xfrm>
+              <a:prstGeom prst="rect">
+                <a:avLst/>
+              </a:prstGeom>
+              <a:blipFill>
+                <a:blip r:embed="rId6"/>
+                <a:stretch>
+                  <a:fillRect l="-4412" r="-1471" b="-13043"/>
+                </a:stretch>
+              </a:blipFill>
+            </p:spPr>
+            <p:txBody>
+              <a:bodyPr/>
+              <a:lstStyle/>
+              <a:p>
+                <a:r>
+                  <a:rPr lang="en-HU">
+                    <a:noFill/>
+                  </a:rPr>
+                  <a:t> </a:t>
+                </a:r>
+              </a:p>
+            </p:txBody>
+          </p:sp>
+        </mc:Fallback>
+      </mc:AlternateContent>
+      <p:sp>
+        <p:nvSpPr>
+          <p:cNvPr id="3" name="Right Brace 2">
+            <a:extLst>
+              <a:ext uri="{FF2B5EF4-FFF2-40B4-BE49-F238E27FC236}">
+                <a16:creationId xmlns:a16="http://schemas.microsoft.com/office/drawing/2014/main" id="{809A8F62-3480-45E5-8601-133FB4BAE2CF}"/>
+              </a:ext>
+            </a:extLst>
+          </p:cNvPr>
+          <p:cNvSpPr/>
+          <p:nvPr/>
+        </p:nvSpPr>
+        <p:spPr>
+          <a:xfrm>
+            <a:off x="9489282" y="1388978"/>
+            <a:ext cx="721517" cy="1854284"/>
+          </a:xfrm>
+          <a:prstGeom prst="rightBrace">
+            <a:avLst/>
+          </a:prstGeom>
+        </p:spPr>
+        <p:style>
+          <a:lnRef idx="1">
+            <a:schemeClr val="accent1"/>
+          </a:lnRef>
+          <a:fillRef idx="0">
+            <a:schemeClr val="accent1"/>
+          </a:fillRef>
+          <a:effectRef idx="0">
+            <a:schemeClr val="accent1"/>
+          </a:effectRef>
+          <a:fontRef idx="minor">
+            <a:schemeClr val="tx1"/>
+          </a:fontRef>
+        </p:style>
+        <p:txBody>
+          <a:bodyPr rtlCol="0" anchor="ctr"/>
+          <a:lstStyle/>
+          <a:p>
+            <a:pPr algn="ctr"/>
+            <a:endParaRPr lang="hu-HU"/>
+          </a:p>
+        </p:txBody>
+      </p:sp>
+      <p:sp>
+        <p:nvSpPr>
+          <p:cNvPr id="4" name="TextBox 3">
+            <a:extLst>
+              <a:ext uri="{FF2B5EF4-FFF2-40B4-BE49-F238E27FC236}">
+                <a16:creationId xmlns:a16="http://schemas.microsoft.com/office/drawing/2014/main" id="{B67AE8BE-4B30-40A1-8258-ED8941B3445B}"/>
+              </a:ext>
+            </a:extLst>
+          </p:cNvPr>
+          <p:cNvSpPr txBox="1"/>
+          <p:nvPr/>
+        </p:nvSpPr>
+        <p:spPr>
+          <a:xfrm>
+            <a:off x="10332242" y="2102329"/>
+            <a:ext cx="721517" cy="369332"/>
+          </a:xfrm>
+          <a:prstGeom prst="rect">
+            <a:avLst/>
+          </a:prstGeom>
+          <a:noFill/>
+        </p:spPr>
+        <p:txBody>
+          <a:bodyPr wrap="square" rtlCol="0">
+            <a:spAutoFit/>
+          </a:bodyPr>
+          <a:lstStyle/>
+          <a:p>
+            <a:r>
+              <a:rPr lang="hu-HU" dirty="0" err="1"/>
+              <a:t>push</a:t>
+            </a:r>
+            <a:endParaRPr lang="hu-HU" dirty="0"/>
+          </a:p>
+        </p:txBody>
+      </p:sp>
+    </p:spTree>
+    <p:extLst>
+      <p:ext uri="{BB962C8B-B14F-4D97-AF65-F5344CB8AC3E}">
+        <p14:creationId xmlns:p14="http://schemas.microsoft.com/office/powerpoint/2010/main" val="3201540617"/>
+      </p:ext>
+    </p:extLst>
+  </p:cSld>
+  <p:clrMapOvr>
+    <a:masterClrMapping/>
+  </p:clrMapOvr>
+</p:sld>
+</file>
+
+<file path=ppt/slides/slide2.xml><?xml version="1.0" encoding="utf-8"?>
+<p:sld xmlns:a="http://schemas.openxmlformats.org/drawingml/2006/main" xmlns:r="http://schemas.openxmlformats.org/officeDocument/2006/relationships" xmlns:p="http://schemas.openxmlformats.org/presentationml/2006/main">
+  <p:cSld>
+    <p:spTree>
+      <p:nvGrpSpPr>
+        <p:cNvPr id="1" name=""/>
+        <p:cNvGrpSpPr/>
+        <p:nvPr/>
+      </p:nvGrpSpPr>
+      <p:grpSpPr>
+        <a:xfrm>
+          <a:off x="0" y="0"/>
+          <a:ext cx="0" cy="0"/>
+          <a:chOff x="0" y="0"/>
+          <a:chExt cx="0" cy="0"/>
+        </a:xfrm>
+      </p:grpSpPr>
+      <p:cxnSp>
+        <p:nvCxnSpPr>
+          <p:cNvPr id="7" name="Straight Connector 6">
+            <a:extLst>
+              <a:ext uri="{FF2B5EF4-FFF2-40B4-BE49-F238E27FC236}">
+                <a16:creationId xmlns:a16="http://schemas.microsoft.com/office/drawing/2014/main" id="{B14654C9-33BB-1A42-B78D-E554A90D4085}"/>
+              </a:ext>
+            </a:extLst>
+          </p:cNvPr>
+          <p:cNvCxnSpPr/>
+          <p:nvPr/>
+        </p:nvCxnSpPr>
+        <p:spPr>
+          <a:xfrm>
+            <a:off x="741405" y="1260389"/>
+            <a:ext cx="10478530" cy="0"/>
+          </a:xfrm>
+          <a:prstGeom prst="line">
+            <a:avLst/>
+          </a:prstGeom>
+          <a:ln w="63500">
+            <a:solidFill>
+              <a:schemeClr val="accent2">
+                <a:lumMod val="60000"/>
+                <a:lumOff val="40000"/>
+              </a:schemeClr>
+            </a:solidFill>
+          </a:ln>
+        </p:spPr>
+        <p:style>
+          <a:lnRef idx="1">
+            <a:schemeClr val="accent1"/>
+          </a:lnRef>
+          <a:fillRef idx="0">
+            <a:schemeClr val="accent1"/>
+          </a:fillRef>
+          <a:effectRef idx="0">
+            <a:schemeClr val="accent1"/>
+          </a:effectRef>
+          <a:fontRef idx="minor">
+            <a:schemeClr val="tx1"/>
+          </a:fontRef>
+        </p:style>
+      </p:cxnSp>
+      <p:cxnSp>
+        <p:nvCxnSpPr>
+          <p:cNvPr id="9" name="Straight Connector 8">
+            <a:extLst>
+              <a:ext uri="{FF2B5EF4-FFF2-40B4-BE49-F238E27FC236}">
+                <a16:creationId xmlns:a16="http://schemas.microsoft.com/office/drawing/2014/main" id="{524EF95D-D614-3F48-9C27-16CC9735810D}"/>
+              </a:ext>
+            </a:extLst>
+          </p:cNvPr>
+          <p:cNvCxnSpPr/>
+          <p:nvPr/>
+        </p:nvCxnSpPr>
+        <p:spPr>
+          <a:xfrm>
+            <a:off x="1500188" y="1260389"/>
+            <a:ext cx="0" cy="1982874"/>
+          </a:xfrm>
+          <a:prstGeom prst="line">
+            <a:avLst/>
+          </a:prstGeom>
+          <a:ln w="34925">
+            <a:solidFill>
+              <a:srgbClr val="92D050"/>
+            </a:solidFill>
+          </a:ln>
+        </p:spPr>
+        <p:style>
+          <a:lnRef idx="1">
+            <a:schemeClr val="accent1"/>
+          </a:lnRef>
+          <a:fillRef idx="0">
+            <a:schemeClr val="accent1"/>
+          </a:fillRef>
+          <a:effectRef idx="0">
+            <a:schemeClr val="accent1"/>
+          </a:effectRef>
+          <a:fontRef idx="minor">
+            <a:schemeClr val="tx1"/>
+          </a:fontRef>
+        </p:style>
+      </p:cxnSp>
+      <p:cxnSp>
+        <p:nvCxnSpPr>
+          <p:cNvPr id="10" name="Straight Connector 9">
+            <a:extLst>
+              <a:ext uri="{FF2B5EF4-FFF2-40B4-BE49-F238E27FC236}">
+                <a16:creationId xmlns:a16="http://schemas.microsoft.com/office/drawing/2014/main" id="{9F2C5B71-3485-DF47-AEEC-C38BD3B9CE03}"/>
+              </a:ext>
+            </a:extLst>
+          </p:cNvPr>
+          <p:cNvCxnSpPr/>
+          <p:nvPr/>
+        </p:nvCxnSpPr>
+        <p:spPr>
+          <a:xfrm>
+            <a:off x="6096000" y="1260388"/>
+            <a:ext cx="0" cy="1982874"/>
+          </a:xfrm>
+          <a:prstGeom prst="line">
+            <a:avLst/>
+          </a:prstGeom>
+          <a:ln w="34925">
+            <a:solidFill>
+              <a:srgbClr val="92D050"/>
+            </a:solidFill>
+          </a:ln>
+        </p:spPr>
+        <p:style>
+          <a:lnRef idx="1">
+            <a:schemeClr val="accent1"/>
+          </a:lnRef>
+          <a:fillRef idx="0">
+            <a:schemeClr val="accent1"/>
+          </a:fillRef>
+          <a:effectRef idx="0">
+            <a:schemeClr val="accent1"/>
+          </a:effectRef>
+          <a:fontRef idx="minor">
+            <a:schemeClr val="tx1"/>
+          </a:fontRef>
+        </p:style>
+      </p:cxnSp>
+      <p:cxnSp>
+        <p:nvCxnSpPr>
+          <p:cNvPr id="12" name="Straight Connector 11">
+            <a:extLst>
+              <a:ext uri="{FF2B5EF4-FFF2-40B4-BE49-F238E27FC236}">
+                <a16:creationId xmlns:a16="http://schemas.microsoft.com/office/drawing/2014/main" id="{00F3329B-8484-9B44-9CE8-CB78FF1E4448}"/>
+              </a:ext>
+            </a:extLst>
+          </p:cNvPr>
+          <p:cNvCxnSpPr>
+            <a:cxnSpLocks/>
+          </p:cNvCxnSpPr>
+          <p:nvPr/>
+        </p:nvCxnSpPr>
+        <p:spPr>
+          <a:xfrm flipV="1">
+            <a:off x="1500188" y="3243262"/>
+            <a:ext cx="4595812" cy="1"/>
+          </a:xfrm>
+          <a:prstGeom prst="line">
+            <a:avLst/>
+          </a:prstGeom>
+          <a:ln w="34925">
+            <a:solidFill>
+              <a:srgbClr val="92D050"/>
+            </a:solidFill>
+          </a:ln>
+        </p:spPr>
+        <p:style>
+          <a:lnRef idx="1">
+            <a:schemeClr val="accent1"/>
+          </a:lnRef>
+          <a:fillRef idx="0">
+            <a:schemeClr val="accent1"/>
+          </a:fillRef>
+          <a:effectRef idx="0">
+            <a:schemeClr val="accent1"/>
+          </a:effectRef>
+          <a:fontRef idx="minor">
+            <a:schemeClr val="tx1"/>
+          </a:fontRef>
+        </p:style>
+      </p:cxnSp>
+      <p:sp>
+        <p:nvSpPr>
+          <p:cNvPr id="14" name="Oval 13">
+            <a:extLst>
+              <a:ext uri="{FF2B5EF4-FFF2-40B4-BE49-F238E27FC236}">
+                <a16:creationId xmlns:a16="http://schemas.microsoft.com/office/drawing/2014/main" id="{5908E773-9EC9-794F-BA21-B9A057137584}"/>
+              </a:ext>
+            </a:extLst>
+          </p:cNvPr>
+          <p:cNvSpPr/>
+          <p:nvPr/>
+        </p:nvSpPr>
+        <p:spPr>
+          <a:xfrm>
+            <a:off x="4357687" y="3121819"/>
+            <a:ext cx="242888" cy="242888"/>
+          </a:xfrm>
+          <a:prstGeom prst="ellipse">
+            <a:avLst/>
+          </a:prstGeom>
+          <a:solidFill>
+            <a:srgbClr val="C00000"/>
+          </a:solidFill>
+          <a:ln>
+            <a:solidFill>
+              <a:srgbClr val="FF0000"/>
+            </a:solidFill>
+          </a:ln>
+        </p:spPr>
+        <p:style>
+          <a:lnRef idx="2">
+            <a:schemeClr val="accent1">
+              <a:shade val="50000"/>
+            </a:schemeClr>
+          </a:lnRef>
+          <a:fillRef idx="1">
+            <a:schemeClr val="accent1"/>
+          </a:fillRef>
+          <a:effectRef idx="0">
+            <a:schemeClr val="accent1"/>
+          </a:effectRef>
+          <a:fontRef idx="minor">
+            <a:schemeClr val="lt1"/>
+          </a:fontRef>
+        </p:style>
+        <p:txBody>
+          <a:bodyPr rtlCol="0" anchor="ctr"/>
+          <a:lstStyle/>
+          <a:p>
+            <a:pPr algn="ctr"/>
+            <a:endParaRPr lang="en-HU"/>
+          </a:p>
+        </p:txBody>
+      </p:sp>
+      <p:sp>
+        <p:nvSpPr>
+          <p:cNvPr id="15" name="Oval 14">
+            <a:extLst>
+              <a:ext uri="{FF2B5EF4-FFF2-40B4-BE49-F238E27FC236}">
+                <a16:creationId xmlns:a16="http://schemas.microsoft.com/office/drawing/2014/main" id="{5E180ECF-5F6E-D843-A3D3-955BE5D5097F}"/>
+              </a:ext>
+            </a:extLst>
+          </p:cNvPr>
+          <p:cNvSpPr/>
+          <p:nvPr/>
+        </p:nvSpPr>
+        <p:spPr>
+          <a:xfrm>
+            <a:off x="2343150" y="3121819"/>
+            <a:ext cx="242888" cy="242888"/>
+          </a:xfrm>
+          <a:prstGeom prst="ellipse">
+            <a:avLst/>
+          </a:prstGeom>
+          <a:solidFill>
+            <a:srgbClr val="C00000"/>
+          </a:solidFill>
+          <a:ln>
+            <a:solidFill>
+              <a:srgbClr val="FF0000"/>
+            </a:solidFill>
+          </a:ln>
+        </p:spPr>
+        <p:style>
+          <a:lnRef idx="2">
+            <a:schemeClr val="accent1">
+              <a:shade val="50000"/>
+            </a:schemeClr>
+          </a:lnRef>
+          <a:fillRef idx="1">
+            <a:schemeClr val="accent1"/>
+          </a:fillRef>
+          <a:effectRef idx="0">
+            <a:schemeClr val="accent1"/>
+          </a:effectRef>
+          <a:fontRef idx="minor">
+            <a:schemeClr val="lt1"/>
+          </a:fontRef>
+        </p:style>
+        <p:txBody>
+          <a:bodyPr rtlCol="0" anchor="ctr"/>
+          <a:lstStyle/>
+          <a:p>
+            <a:pPr algn="ctr"/>
+            <a:endParaRPr lang="en-HU"/>
+          </a:p>
+        </p:txBody>
+      </p:sp>
+      <p:sp>
+        <p:nvSpPr>
+          <p:cNvPr id="27" name="Oval 26">
+            <a:extLst>
+              <a:ext uri="{FF2B5EF4-FFF2-40B4-BE49-F238E27FC236}">
+                <a16:creationId xmlns:a16="http://schemas.microsoft.com/office/drawing/2014/main" id="{588DEF13-23D1-E446-82B8-664F3D0C4741}"/>
+              </a:ext>
+            </a:extLst>
+          </p:cNvPr>
+          <p:cNvSpPr/>
+          <p:nvPr/>
+        </p:nvSpPr>
+        <p:spPr>
+          <a:xfrm>
+            <a:off x="1378744" y="1146090"/>
+            <a:ext cx="242888" cy="242888"/>
+          </a:xfrm>
+          <a:prstGeom prst="ellipse">
+            <a:avLst/>
+          </a:prstGeom>
+          <a:solidFill>
+            <a:srgbClr val="FFFF00"/>
+          </a:solidFill>
+          <a:ln>
+            <a:solidFill>
+              <a:srgbClr val="FF0000"/>
+            </a:solidFill>
+          </a:ln>
+        </p:spPr>
+        <p:style>
+          <a:lnRef idx="2">
+            <a:schemeClr val="accent1">
+              <a:shade val="50000"/>
+            </a:schemeClr>
+          </a:lnRef>
+          <a:fillRef idx="1">
+            <a:schemeClr val="accent1"/>
+          </a:fillRef>
+          <a:effectRef idx="0">
+            <a:schemeClr val="accent1"/>
+          </a:effectRef>
+          <a:fontRef idx="minor">
+            <a:schemeClr val="lt1"/>
+          </a:fontRef>
+        </p:style>
+        <p:txBody>
+          <a:bodyPr rtlCol="0" anchor="ctr"/>
+          <a:lstStyle/>
+          <a:p>
+            <a:pPr algn="ctr"/>
+            <a:endParaRPr lang="en-HU"/>
+          </a:p>
+        </p:txBody>
+      </p:sp>
+      <p:sp>
+        <p:nvSpPr>
+          <p:cNvPr id="28" name="Oval 27">
+            <a:extLst>
+              <a:ext uri="{FF2B5EF4-FFF2-40B4-BE49-F238E27FC236}">
+                <a16:creationId xmlns:a16="http://schemas.microsoft.com/office/drawing/2014/main" id="{26CC94C4-00BD-0D44-BB89-AA456080A346}"/>
+              </a:ext>
+            </a:extLst>
+          </p:cNvPr>
+          <p:cNvSpPr/>
+          <p:nvPr/>
+        </p:nvSpPr>
+        <p:spPr>
+          <a:xfrm>
+            <a:off x="5974556" y="1138943"/>
+            <a:ext cx="242888" cy="242888"/>
+          </a:xfrm>
+          <a:prstGeom prst="ellipse">
+            <a:avLst/>
+          </a:prstGeom>
+          <a:solidFill>
+            <a:srgbClr val="FFFF00"/>
+          </a:solidFill>
+          <a:ln>
+            <a:solidFill>
+              <a:srgbClr val="FF0000"/>
+            </a:solidFill>
+          </a:ln>
+        </p:spPr>
+        <p:style>
+          <a:lnRef idx="2">
+            <a:schemeClr val="accent1">
+              <a:shade val="50000"/>
+            </a:schemeClr>
+          </a:lnRef>
+          <a:fillRef idx="1">
+            <a:schemeClr val="accent1"/>
+          </a:fillRef>
+          <a:effectRef idx="0">
+            <a:schemeClr val="accent1"/>
+          </a:effectRef>
+          <a:fontRef idx="minor">
+            <a:schemeClr val="lt1"/>
+          </a:fontRef>
+        </p:style>
+        <p:txBody>
+          <a:bodyPr rtlCol="0" anchor="ctr"/>
+          <a:lstStyle/>
+          <a:p>
+            <a:pPr algn="ctr"/>
+            <a:endParaRPr lang="en-HU"/>
+          </a:p>
+        </p:txBody>
+      </p:sp>
       <mc:AlternateContent xmlns:mc="http://schemas.openxmlformats.org/markup-compatibility/2006">
         <mc:Choice xmlns:a14="http://schemas.microsoft.com/office/drawing/2010/main" Requires="a14">
           <p:sp>
@@ -4289,6 +4917,7 @@
               </a:bodyPr>
               <a:lstStyle/>
               <a:p>
+                <a:pPr/>
                 <a14:m>
                   <m:oMathPara xmlns:m="http://schemas.openxmlformats.org/officeDocument/2006/math">
                     <m:oMathParaPr>
@@ -4358,9 +4987,9 @@
                 <a:avLst/>
               </a:prstGeom>
               <a:blipFill>
-                <a:blip r:embed="rId6"/>
+                <a:blip r:embed="rId2"/>
                 <a:stretch>
-                  <a:fillRect l="-4412" r="-1471" b="-13043"/>
+                  <a:fillRect l="-6522" r="-2174" b="-15217"/>
                 </a:stretch>
               </a:blipFill>
             </p:spPr>
@@ -4369,7 +4998,7 @@
               <a:lstStyle/>
               <a:p>
                 <a:r>
-                  <a:rPr lang="en-HU">
+                  <a:rPr lang="hu-HU">
                     <a:noFill/>
                   </a:rPr>
                   <a:t> </a:t>
@@ -4379,10 +5008,1893 @@
           </p:sp>
         </mc:Fallback>
       </mc:AlternateContent>
+      <p:cxnSp>
+        <p:nvCxnSpPr>
+          <p:cNvPr id="19" name="Straight Connector 18">
+            <a:extLst>
+              <a:ext uri="{FF2B5EF4-FFF2-40B4-BE49-F238E27FC236}">
+                <a16:creationId xmlns:a16="http://schemas.microsoft.com/office/drawing/2014/main" id="{3CD6E0BA-D0BD-42C8-826D-3502DB5D6FBB}"/>
+              </a:ext>
+            </a:extLst>
+          </p:cNvPr>
+          <p:cNvCxnSpPr>
+            <a:cxnSpLocks/>
+          </p:cNvCxnSpPr>
+          <p:nvPr/>
+        </p:nvCxnSpPr>
+        <p:spPr>
+          <a:xfrm>
+            <a:off x="3103319" y="1260387"/>
+            <a:ext cx="0" cy="3381951"/>
+          </a:xfrm>
+          <a:prstGeom prst="line">
+            <a:avLst/>
+          </a:prstGeom>
+          <a:ln w="34925">
+            <a:solidFill>
+              <a:srgbClr val="92D050"/>
+            </a:solidFill>
+          </a:ln>
+        </p:spPr>
+        <p:style>
+          <a:lnRef idx="1">
+            <a:schemeClr val="accent1"/>
+          </a:lnRef>
+          <a:fillRef idx="0">
+            <a:schemeClr val="accent1"/>
+          </a:fillRef>
+          <a:effectRef idx="0">
+            <a:schemeClr val="accent1"/>
+          </a:effectRef>
+          <a:fontRef idx="minor">
+            <a:schemeClr val="tx1"/>
+          </a:fontRef>
+        </p:style>
+      </p:cxnSp>
+      <p:cxnSp>
+        <p:nvCxnSpPr>
+          <p:cNvPr id="22" name="Straight Connector 21">
+            <a:extLst>
+              <a:ext uri="{FF2B5EF4-FFF2-40B4-BE49-F238E27FC236}">
+                <a16:creationId xmlns:a16="http://schemas.microsoft.com/office/drawing/2014/main" id="{1DF07611-6B58-4385-BDF6-DFF4CA2E12CB}"/>
+              </a:ext>
+            </a:extLst>
+          </p:cNvPr>
+          <p:cNvCxnSpPr>
+            <a:cxnSpLocks/>
+          </p:cNvCxnSpPr>
+          <p:nvPr/>
+        </p:nvCxnSpPr>
+        <p:spPr>
+          <a:xfrm flipV="1">
+            <a:off x="3091229" y="4642337"/>
+            <a:ext cx="4595812" cy="1"/>
+          </a:xfrm>
+          <a:prstGeom prst="line">
+            <a:avLst/>
+          </a:prstGeom>
+          <a:ln w="34925">
+            <a:solidFill>
+              <a:srgbClr val="92D050"/>
+            </a:solidFill>
+          </a:ln>
+        </p:spPr>
+        <p:style>
+          <a:lnRef idx="1">
+            <a:schemeClr val="accent1"/>
+          </a:lnRef>
+          <a:fillRef idx="0">
+            <a:schemeClr val="accent1"/>
+          </a:fillRef>
+          <a:effectRef idx="0">
+            <a:schemeClr val="accent1"/>
+          </a:effectRef>
+          <a:fontRef idx="minor">
+            <a:schemeClr val="tx1"/>
+          </a:fontRef>
+        </p:style>
+      </p:cxnSp>
+      <mc:AlternateContent xmlns:mc="http://schemas.openxmlformats.org/markup-compatibility/2006">
+        <mc:Choice xmlns:a14="http://schemas.microsoft.com/office/drawing/2010/main" Requires="a14">
+          <p:sp>
+            <p:nvSpPr>
+              <p:cNvPr id="23" name="TextBox 22">
+                <a:extLst>
+                  <a:ext uri="{FF2B5EF4-FFF2-40B4-BE49-F238E27FC236}">
+                    <a16:creationId xmlns:a16="http://schemas.microsoft.com/office/drawing/2014/main" id="{AD7067CD-C752-4894-8059-46D9B3E76AD8}"/>
+                  </a:ext>
+                </a:extLst>
+              </p:cNvPr>
+              <p:cNvSpPr txBox="1"/>
+              <p:nvPr/>
+            </p:nvSpPr>
+            <p:spPr>
+              <a:xfrm>
+                <a:off x="5674795" y="723444"/>
+                <a:ext cx="842410" cy="276999"/>
+              </a:xfrm>
+              <a:prstGeom prst="rect">
+                <a:avLst/>
+              </a:prstGeom>
+              <a:noFill/>
+            </p:spPr>
+            <p:txBody>
+              <a:bodyPr wrap="none" lIns="0" tIns="0" rIns="0" bIns="0" rtlCol="0">
+                <a:spAutoFit/>
+              </a:bodyPr>
+              <a:lstStyle/>
+              <a:p>
+                <a:pPr/>
+                <a14:m>
+                  <m:oMathPara xmlns:m="http://schemas.openxmlformats.org/officeDocument/2006/math">
+                    <m:oMathParaPr>
+                      <m:jc m:val="centerGroup"/>
+                    </m:oMathParaPr>
+                    <m:oMath xmlns:m="http://schemas.openxmlformats.org/officeDocument/2006/math">
+                      <m:r>
+                        <a:rPr lang="hu-HU" b="0" i="1" smtClean="0">
+                          <a:latin typeface="Cambria Math" panose="02040503050406030204" pitchFamily="18" charset="0"/>
+                        </a:rPr>
+                        <m:t>𝑉𝑒𝑟𝑧𝑖</m:t>
+                      </m:r>
+                      <m:sSub>
+                        <m:sSubPr>
+                          <m:ctrlPr>
+                            <a:rPr lang="hu-HU" b="0" i="1" smtClean="0">
+                              <a:latin typeface="Cambria Math" panose="02040503050406030204" pitchFamily="18" charset="0"/>
+                            </a:rPr>
+                          </m:ctrlPr>
+                        </m:sSubPr>
+                        <m:e>
+                          <m:r>
+                            <a:rPr lang="hu-HU" b="0" i="1" smtClean="0">
+                              <a:latin typeface="Cambria Math" panose="02040503050406030204" pitchFamily="18" charset="0"/>
+                            </a:rPr>
+                            <m:t>ó</m:t>
+                          </m:r>
+                        </m:e>
+                        <m:sub>
+                          <m:r>
+                            <a:rPr lang="hu-HU" b="0" i="1" smtClean="0">
+                              <a:latin typeface="Cambria Math" panose="02040503050406030204" pitchFamily="18" charset="0"/>
+                            </a:rPr>
+                            <m:t>2</m:t>
+                          </m:r>
+                        </m:sub>
+                      </m:sSub>
+                    </m:oMath>
+                  </m:oMathPara>
+                </a14:m>
+                <a:endParaRPr lang="en-HU" dirty="0"/>
+              </a:p>
+            </p:txBody>
+          </p:sp>
+        </mc:Choice>
+        <mc:Fallback>
+          <p:sp>
+            <p:nvSpPr>
+              <p:cNvPr id="23" name="TextBox 22">
+                <a:extLst>
+                  <a:ext uri="{FF2B5EF4-FFF2-40B4-BE49-F238E27FC236}">
+                    <a16:creationId xmlns:a16="http://schemas.microsoft.com/office/drawing/2014/main" id="{AD7067CD-C752-4894-8059-46D9B3E76AD8}"/>
+                  </a:ext>
+                </a:extLst>
+              </p:cNvPr>
+              <p:cNvSpPr txBox="1">
+                <a:spLocks noRot="1" noChangeAspect="1" noMove="1" noResize="1" noEditPoints="1" noAdjustHandles="1" noChangeArrowheads="1" noChangeShapeType="1" noTextEdit="1"/>
+              </p:cNvSpPr>
+              <p:nvPr/>
+            </p:nvSpPr>
+            <p:spPr>
+              <a:xfrm>
+                <a:off x="5674795" y="723444"/>
+                <a:ext cx="842410" cy="276999"/>
+              </a:xfrm>
+              <a:prstGeom prst="rect">
+                <a:avLst/>
+              </a:prstGeom>
+              <a:blipFill>
+                <a:blip r:embed="rId3"/>
+                <a:stretch>
+                  <a:fillRect l="-6522" t="-2222" r="-2174" b="-15556"/>
+                </a:stretch>
+              </a:blipFill>
+            </p:spPr>
+            <p:txBody>
+              <a:bodyPr/>
+              <a:lstStyle/>
+              <a:p>
+                <a:r>
+                  <a:rPr lang="hu-HU">
+                    <a:noFill/>
+                  </a:rPr>
+                  <a:t> </a:t>
+                </a:r>
+              </a:p>
+            </p:txBody>
+          </p:sp>
+        </mc:Fallback>
+      </mc:AlternateContent>
+      <p:cxnSp>
+        <p:nvCxnSpPr>
+          <p:cNvPr id="24" name="Straight Connector 23">
+            <a:extLst>
+              <a:ext uri="{FF2B5EF4-FFF2-40B4-BE49-F238E27FC236}">
+                <a16:creationId xmlns:a16="http://schemas.microsoft.com/office/drawing/2014/main" id="{A67B0899-34A2-49B4-96FA-056B337F319C}"/>
+              </a:ext>
+            </a:extLst>
+          </p:cNvPr>
+          <p:cNvCxnSpPr>
+            <a:cxnSpLocks/>
+          </p:cNvCxnSpPr>
+          <p:nvPr/>
+        </p:nvCxnSpPr>
+        <p:spPr>
+          <a:xfrm>
+            <a:off x="7687041" y="1267534"/>
+            <a:ext cx="0" cy="3381951"/>
+          </a:xfrm>
+          <a:prstGeom prst="line">
+            <a:avLst/>
+          </a:prstGeom>
+          <a:ln w="34925">
+            <a:solidFill>
+              <a:srgbClr val="92D050"/>
+            </a:solidFill>
+          </a:ln>
+        </p:spPr>
+        <p:style>
+          <a:lnRef idx="1">
+            <a:schemeClr val="accent1"/>
+          </a:lnRef>
+          <a:fillRef idx="0">
+            <a:schemeClr val="accent1"/>
+          </a:fillRef>
+          <a:effectRef idx="0">
+            <a:schemeClr val="accent1"/>
+          </a:effectRef>
+          <a:fontRef idx="minor">
+            <a:schemeClr val="tx1"/>
+          </a:fontRef>
+        </p:style>
+      </p:cxnSp>
+      <p:sp>
+        <p:nvSpPr>
+          <p:cNvPr id="29" name="Oval 28">
+            <a:extLst>
+              <a:ext uri="{FF2B5EF4-FFF2-40B4-BE49-F238E27FC236}">
+                <a16:creationId xmlns:a16="http://schemas.microsoft.com/office/drawing/2014/main" id="{E3A8F0E0-4D8A-45A9-8147-D9C00C053709}"/>
+              </a:ext>
+            </a:extLst>
+          </p:cNvPr>
+          <p:cNvSpPr/>
+          <p:nvPr/>
+        </p:nvSpPr>
+        <p:spPr>
+          <a:xfrm>
+            <a:off x="2969784" y="1138943"/>
+            <a:ext cx="242888" cy="242888"/>
+          </a:xfrm>
+          <a:prstGeom prst="ellipse">
+            <a:avLst/>
+          </a:prstGeom>
+          <a:solidFill>
+            <a:srgbClr val="FFFF00"/>
+          </a:solidFill>
+          <a:ln>
+            <a:solidFill>
+              <a:srgbClr val="FF0000"/>
+            </a:solidFill>
+          </a:ln>
+        </p:spPr>
+        <p:style>
+          <a:lnRef idx="2">
+            <a:schemeClr val="accent1">
+              <a:shade val="50000"/>
+            </a:schemeClr>
+          </a:lnRef>
+          <a:fillRef idx="1">
+            <a:schemeClr val="accent1"/>
+          </a:fillRef>
+          <a:effectRef idx="0">
+            <a:schemeClr val="accent1"/>
+          </a:effectRef>
+          <a:fontRef idx="minor">
+            <a:schemeClr val="lt1"/>
+          </a:fontRef>
+        </p:style>
+        <p:txBody>
+          <a:bodyPr rtlCol="0" anchor="ctr"/>
+          <a:lstStyle/>
+          <a:p>
+            <a:pPr algn="ctr"/>
+            <a:endParaRPr lang="en-HU"/>
+          </a:p>
+        </p:txBody>
+      </p:sp>
+      <p:sp>
+        <p:nvSpPr>
+          <p:cNvPr id="30" name="Oval 29">
+            <a:extLst>
+              <a:ext uri="{FF2B5EF4-FFF2-40B4-BE49-F238E27FC236}">
+                <a16:creationId xmlns:a16="http://schemas.microsoft.com/office/drawing/2014/main" id="{1B9EA63D-B6E9-4477-86CE-236E748838CC}"/>
+              </a:ext>
+            </a:extLst>
+          </p:cNvPr>
+          <p:cNvSpPr/>
+          <p:nvPr/>
+        </p:nvSpPr>
+        <p:spPr>
+          <a:xfrm>
+            <a:off x="7565597" y="1131592"/>
+            <a:ext cx="242888" cy="242888"/>
+          </a:xfrm>
+          <a:prstGeom prst="ellipse">
+            <a:avLst/>
+          </a:prstGeom>
+          <a:solidFill>
+            <a:srgbClr val="FFFF00"/>
+          </a:solidFill>
+          <a:ln>
+            <a:solidFill>
+              <a:srgbClr val="FF0000"/>
+            </a:solidFill>
+          </a:ln>
+        </p:spPr>
+        <p:style>
+          <a:lnRef idx="2">
+            <a:schemeClr val="accent1">
+              <a:shade val="50000"/>
+            </a:schemeClr>
+          </a:lnRef>
+          <a:fillRef idx="1">
+            <a:schemeClr val="accent1"/>
+          </a:fillRef>
+          <a:effectRef idx="0">
+            <a:schemeClr val="accent1"/>
+          </a:effectRef>
+          <a:fontRef idx="minor">
+            <a:schemeClr val="lt1"/>
+          </a:fontRef>
+        </p:style>
+        <p:txBody>
+          <a:bodyPr rtlCol="0" anchor="ctr"/>
+          <a:lstStyle/>
+          <a:p>
+            <a:pPr algn="ctr"/>
+            <a:endParaRPr lang="en-HU"/>
+          </a:p>
+        </p:txBody>
+      </p:sp>
+      <p:sp>
+        <p:nvSpPr>
+          <p:cNvPr id="33" name="Oval 32">
+            <a:extLst>
+              <a:ext uri="{FF2B5EF4-FFF2-40B4-BE49-F238E27FC236}">
+                <a16:creationId xmlns:a16="http://schemas.microsoft.com/office/drawing/2014/main" id="{FE44944F-882A-4C57-9D18-92D5152CD1D4}"/>
+              </a:ext>
+            </a:extLst>
+          </p:cNvPr>
+          <p:cNvSpPr/>
+          <p:nvPr/>
+        </p:nvSpPr>
+        <p:spPr>
+          <a:xfrm>
+            <a:off x="3609059" y="4520893"/>
+            <a:ext cx="242888" cy="242888"/>
+          </a:xfrm>
+          <a:prstGeom prst="ellipse">
+            <a:avLst/>
+          </a:prstGeom>
+          <a:solidFill>
+            <a:srgbClr val="C00000"/>
+          </a:solidFill>
+          <a:ln>
+            <a:solidFill>
+              <a:srgbClr val="FF0000"/>
+            </a:solidFill>
+          </a:ln>
+        </p:spPr>
+        <p:style>
+          <a:lnRef idx="2">
+            <a:schemeClr val="accent1">
+              <a:shade val="50000"/>
+            </a:schemeClr>
+          </a:lnRef>
+          <a:fillRef idx="1">
+            <a:schemeClr val="accent1"/>
+          </a:fillRef>
+          <a:effectRef idx="0">
+            <a:schemeClr val="accent1"/>
+          </a:effectRef>
+          <a:fontRef idx="minor">
+            <a:schemeClr val="lt1"/>
+          </a:fontRef>
+        </p:style>
+        <p:txBody>
+          <a:bodyPr rtlCol="0" anchor="ctr"/>
+          <a:lstStyle/>
+          <a:p>
+            <a:pPr algn="ctr"/>
+            <a:endParaRPr lang="en-HU"/>
+          </a:p>
+        </p:txBody>
+      </p:sp>
+      <p:sp>
+        <p:nvSpPr>
+          <p:cNvPr id="34" name="Oval 33">
+            <a:extLst>
+              <a:ext uri="{FF2B5EF4-FFF2-40B4-BE49-F238E27FC236}">
+                <a16:creationId xmlns:a16="http://schemas.microsoft.com/office/drawing/2014/main" id="{91D39FFB-D2FF-4E45-BBFA-5C077BAC9D52}"/>
+              </a:ext>
+            </a:extLst>
+          </p:cNvPr>
+          <p:cNvSpPr/>
+          <p:nvPr/>
+        </p:nvSpPr>
+        <p:spPr>
+          <a:xfrm>
+            <a:off x="6087025" y="4520893"/>
+            <a:ext cx="242888" cy="242888"/>
+          </a:xfrm>
+          <a:prstGeom prst="ellipse">
+            <a:avLst/>
+          </a:prstGeom>
+          <a:solidFill>
+            <a:srgbClr val="C00000"/>
+          </a:solidFill>
+          <a:ln>
+            <a:solidFill>
+              <a:srgbClr val="FF0000"/>
+            </a:solidFill>
+          </a:ln>
+        </p:spPr>
+        <p:style>
+          <a:lnRef idx="2">
+            <a:schemeClr val="accent1">
+              <a:shade val="50000"/>
+            </a:schemeClr>
+          </a:lnRef>
+          <a:fillRef idx="1">
+            <a:schemeClr val="accent1"/>
+          </a:fillRef>
+          <a:effectRef idx="0">
+            <a:schemeClr val="accent1"/>
+          </a:effectRef>
+          <a:fontRef idx="minor">
+            <a:schemeClr val="lt1"/>
+          </a:fontRef>
+        </p:style>
+        <p:txBody>
+          <a:bodyPr rtlCol="0" anchor="ctr"/>
+          <a:lstStyle/>
+          <a:p>
+            <a:pPr algn="ctr"/>
+            <a:endParaRPr lang="en-HU"/>
+          </a:p>
+        </p:txBody>
+      </p:sp>
+      <p:sp>
+        <p:nvSpPr>
+          <p:cNvPr id="6" name="Rectangle: Rounded Corners 5">
+            <a:extLst>
+              <a:ext uri="{FF2B5EF4-FFF2-40B4-BE49-F238E27FC236}">
+                <a16:creationId xmlns:a16="http://schemas.microsoft.com/office/drawing/2014/main" id="{B883CFE5-9C13-40D4-B866-3E3F827EED2D}"/>
+              </a:ext>
+            </a:extLst>
+          </p:cNvPr>
+          <p:cNvSpPr/>
+          <p:nvPr/>
+        </p:nvSpPr>
+        <p:spPr>
+          <a:xfrm>
+            <a:off x="7385952" y="1017502"/>
+            <a:ext cx="602177" cy="468399"/>
+          </a:xfrm>
+          <a:prstGeom prst="roundRect">
+            <a:avLst/>
+          </a:prstGeom>
+          <a:solidFill>
+            <a:srgbClr val="C00000">
+              <a:alpha val="0"/>
+            </a:srgbClr>
+          </a:solidFill>
+          <a:ln w="50800">
+            <a:solidFill>
+              <a:srgbClr val="FF0000"/>
+            </a:solidFill>
+          </a:ln>
+        </p:spPr>
+        <p:style>
+          <a:lnRef idx="2">
+            <a:schemeClr val="accent1">
+              <a:shade val="50000"/>
+            </a:schemeClr>
+          </a:lnRef>
+          <a:fillRef idx="1">
+            <a:schemeClr val="accent1"/>
+          </a:fillRef>
+          <a:effectRef idx="0">
+            <a:schemeClr val="accent1"/>
+          </a:effectRef>
+          <a:fontRef idx="minor">
+            <a:schemeClr val="lt1"/>
+          </a:fontRef>
+        </p:style>
+        <p:txBody>
+          <a:bodyPr rtlCol="0" anchor="ctr"/>
+          <a:lstStyle/>
+          <a:p>
+            <a:pPr algn="ctr"/>
+            <a:endParaRPr lang="hu-HU"/>
+          </a:p>
+        </p:txBody>
+      </p:sp>
+      <p:sp>
+        <p:nvSpPr>
+          <p:cNvPr id="8" name="TextBox 7">
+            <a:extLst>
+              <a:ext uri="{FF2B5EF4-FFF2-40B4-BE49-F238E27FC236}">
+                <a16:creationId xmlns:a16="http://schemas.microsoft.com/office/drawing/2014/main" id="{AA236413-0D9A-4419-96CA-76D7DBF31DB8}"/>
+              </a:ext>
+            </a:extLst>
+          </p:cNvPr>
+          <p:cNvSpPr txBox="1"/>
+          <p:nvPr/>
+        </p:nvSpPr>
+        <p:spPr>
+          <a:xfrm>
+            <a:off x="1065884" y="191518"/>
+            <a:ext cx="2543175" cy="369332"/>
+          </a:xfrm>
+          <a:prstGeom prst="rect">
+            <a:avLst/>
+          </a:prstGeom>
+          <a:noFill/>
+        </p:spPr>
+        <p:txBody>
+          <a:bodyPr wrap="square" rtlCol="0">
+            <a:spAutoFit/>
+          </a:bodyPr>
+          <a:lstStyle/>
+          <a:p>
+            <a:r>
+              <a:rPr lang="hu-HU" dirty="0" err="1"/>
+              <a:t>git</a:t>
+            </a:r>
+            <a:r>
+              <a:rPr lang="hu-HU" dirty="0"/>
+              <a:t> </a:t>
+            </a:r>
+            <a:r>
+              <a:rPr lang="hu-HU" dirty="0" err="1"/>
+              <a:t>conflict</a:t>
+            </a:r>
+            <a:endParaRPr lang="hu-HU" dirty="0"/>
+          </a:p>
+        </p:txBody>
+      </p:sp>
+      <mc:AlternateContent xmlns:mc="http://schemas.openxmlformats.org/markup-compatibility/2006">
+        <mc:Choice xmlns:a14="http://schemas.microsoft.com/office/drawing/2010/main" Requires="a14">
+          <p:sp>
+            <p:nvSpPr>
+              <p:cNvPr id="35" name="TextBox 34">
+                <a:extLst>
+                  <a:ext uri="{FF2B5EF4-FFF2-40B4-BE49-F238E27FC236}">
+                    <a16:creationId xmlns:a16="http://schemas.microsoft.com/office/drawing/2014/main" id="{50B2681E-113F-4770-AD3E-13C8EC71B6E1}"/>
+                  </a:ext>
+                </a:extLst>
+              </p:cNvPr>
+              <p:cNvSpPr txBox="1"/>
+              <p:nvPr/>
+            </p:nvSpPr>
+            <p:spPr>
+              <a:xfrm>
+                <a:off x="7385952" y="723444"/>
+                <a:ext cx="842410" cy="276999"/>
+              </a:xfrm>
+              <a:prstGeom prst="rect">
+                <a:avLst/>
+              </a:prstGeom>
+              <a:noFill/>
+            </p:spPr>
+            <p:txBody>
+              <a:bodyPr wrap="none" lIns="0" tIns="0" rIns="0" bIns="0" rtlCol="0">
+                <a:spAutoFit/>
+              </a:bodyPr>
+              <a:lstStyle/>
+              <a:p>
+                <a:pPr/>
+                <a14:m>
+                  <m:oMathPara xmlns:m="http://schemas.openxmlformats.org/officeDocument/2006/math">
+                    <m:oMathParaPr>
+                      <m:jc m:val="centerGroup"/>
+                    </m:oMathParaPr>
+                    <m:oMath xmlns:m="http://schemas.openxmlformats.org/officeDocument/2006/math">
+                      <m:r>
+                        <a:rPr lang="hu-HU" b="0" i="1" smtClean="0">
+                          <a:latin typeface="Cambria Math" panose="02040503050406030204" pitchFamily="18" charset="0"/>
+                        </a:rPr>
+                        <m:t>𝑉𝑒𝑟𝑧𝑖</m:t>
+                      </m:r>
+                      <m:sSub>
+                        <m:sSubPr>
+                          <m:ctrlPr>
+                            <a:rPr lang="hu-HU" b="0" i="1" smtClean="0">
+                              <a:latin typeface="Cambria Math" panose="02040503050406030204" pitchFamily="18" charset="0"/>
+                            </a:rPr>
+                          </m:ctrlPr>
+                        </m:sSubPr>
+                        <m:e>
+                          <m:r>
+                            <a:rPr lang="hu-HU" b="0" i="1" smtClean="0">
+                              <a:latin typeface="Cambria Math" panose="02040503050406030204" pitchFamily="18" charset="0"/>
+                            </a:rPr>
+                            <m:t>ó</m:t>
+                          </m:r>
+                        </m:e>
+                        <m:sub>
+                          <m:r>
+                            <a:rPr lang="hu-HU" b="0" i="1" smtClean="0">
+                              <a:latin typeface="Cambria Math" panose="02040503050406030204" pitchFamily="18" charset="0"/>
+                            </a:rPr>
+                            <m:t>3</m:t>
+                          </m:r>
+                        </m:sub>
+                      </m:sSub>
+                    </m:oMath>
+                  </m:oMathPara>
+                </a14:m>
+                <a:endParaRPr lang="en-HU" dirty="0"/>
+              </a:p>
+            </p:txBody>
+          </p:sp>
+        </mc:Choice>
+        <mc:Fallback>
+          <p:sp>
+            <p:nvSpPr>
+              <p:cNvPr id="35" name="TextBox 34">
+                <a:extLst>
+                  <a:ext uri="{FF2B5EF4-FFF2-40B4-BE49-F238E27FC236}">
+                    <a16:creationId xmlns:a16="http://schemas.microsoft.com/office/drawing/2014/main" id="{50B2681E-113F-4770-AD3E-13C8EC71B6E1}"/>
+                  </a:ext>
+                </a:extLst>
+              </p:cNvPr>
+              <p:cNvSpPr txBox="1">
+                <a:spLocks noRot="1" noChangeAspect="1" noMove="1" noResize="1" noEditPoints="1" noAdjustHandles="1" noChangeArrowheads="1" noChangeShapeType="1" noTextEdit="1"/>
+              </p:cNvSpPr>
+              <p:nvPr/>
+            </p:nvSpPr>
+            <p:spPr>
+              <a:xfrm>
+                <a:off x="7385952" y="723444"/>
+                <a:ext cx="842410" cy="276999"/>
+              </a:xfrm>
+              <a:prstGeom prst="rect">
+                <a:avLst/>
+              </a:prstGeom>
+              <a:blipFill>
+                <a:blip r:embed="rId4"/>
+                <a:stretch>
+                  <a:fillRect l="-6522" t="-2222" r="-2174" b="-15556"/>
+                </a:stretch>
+              </a:blipFill>
+            </p:spPr>
+            <p:txBody>
+              <a:bodyPr/>
+              <a:lstStyle/>
+              <a:p>
+                <a:r>
+                  <a:rPr lang="hu-HU">
+                    <a:noFill/>
+                  </a:rPr>
+                  <a:t> </a:t>
+                </a:r>
+              </a:p>
+            </p:txBody>
+          </p:sp>
+        </mc:Fallback>
+      </mc:AlternateContent>
+      <p:cxnSp>
+        <p:nvCxnSpPr>
+          <p:cNvPr id="13" name="Straight Arrow Connector 12">
+            <a:extLst>
+              <a:ext uri="{FF2B5EF4-FFF2-40B4-BE49-F238E27FC236}">
+                <a16:creationId xmlns:a16="http://schemas.microsoft.com/office/drawing/2014/main" id="{9CBDA8D0-2AC6-4509-AECE-571821ABC241}"/>
+              </a:ext>
+            </a:extLst>
+          </p:cNvPr>
+          <p:cNvCxnSpPr>
+            <a:cxnSpLocks/>
+          </p:cNvCxnSpPr>
+          <p:nvPr/>
+        </p:nvCxnSpPr>
+        <p:spPr>
+          <a:xfrm>
+            <a:off x="7988129" y="1485901"/>
+            <a:ext cx="470071" cy="400049"/>
+          </a:xfrm>
+          <a:prstGeom prst="straightConnector1">
+            <a:avLst/>
+          </a:prstGeom>
+          <a:ln w="28575">
+            <a:solidFill>
+              <a:srgbClr val="FF0000"/>
+            </a:solidFill>
+            <a:tailEnd type="triangle"/>
+          </a:ln>
+        </p:spPr>
+        <p:style>
+          <a:lnRef idx="1">
+            <a:schemeClr val="accent1"/>
+          </a:lnRef>
+          <a:fillRef idx="0">
+            <a:schemeClr val="accent1"/>
+          </a:fillRef>
+          <a:effectRef idx="0">
+            <a:schemeClr val="accent1"/>
+          </a:effectRef>
+          <a:fontRef idx="minor">
+            <a:schemeClr val="tx1"/>
+          </a:fontRef>
+        </p:style>
+      </p:cxnSp>
+      <p:sp>
+        <p:nvSpPr>
+          <p:cNvPr id="17" name="Rectangle 16">
+            <a:extLst>
+              <a:ext uri="{FF2B5EF4-FFF2-40B4-BE49-F238E27FC236}">
+                <a16:creationId xmlns:a16="http://schemas.microsoft.com/office/drawing/2014/main" id="{AF064116-F54E-4BE9-8BFB-7EF49E9540A9}"/>
+              </a:ext>
+            </a:extLst>
+          </p:cNvPr>
+          <p:cNvSpPr/>
+          <p:nvPr/>
+        </p:nvSpPr>
+        <p:spPr>
+          <a:xfrm>
+            <a:off x="7988129" y="1971675"/>
+            <a:ext cx="3708572" cy="4162879"/>
+          </a:xfrm>
+          <a:prstGeom prst="rect">
+            <a:avLst/>
+          </a:prstGeom>
+          <a:solidFill>
+            <a:schemeClr val="accent1">
+              <a:alpha val="0"/>
+            </a:schemeClr>
+          </a:solidFill>
+          <a:ln w="15875">
+            <a:solidFill>
+              <a:schemeClr val="tx1"/>
+            </a:solidFill>
+          </a:ln>
+        </p:spPr>
+        <p:style>
+          <a:lnRef idx="2">
+            <a:schemeClr val="accent1">
+              <a:shade val="50000"/>
+            </a:schemeClr>
+          </a:lnRef>
+          <a:fillRef idx="1">
+            <a:schemeClr val="accent1"/>
+          </a:fillRef>
+          <a:effectRef idx="0">
+            <a:schemeClr val="accent1"/>
+          </a:effectRef>
+          <a:fontRef idx="minor">
+            <a:schemeClr val="lt1"/>
+          </a:fontRef>
+        </p:style>
+        <p:txBody>
+          <a:bodyPr rtlCol="0" anchor="ctr"/>
+          <a:lstStyle/>
+          <a:p>
+            <a:pPr algn="ctr"/>
+            <a:endParaRPr lang="hu-HU"/>
+          </a:p>
+        </p:txBody>
+      </p:sp>
+      <p:sp>
+        <p:nvSpPr>
+          <p:cNvPr id="20" name="Rectangle 19">
+            <a:extLst>
+              <a:ext uri="{FF2B5EF4-FFF2-40B4-BE49-F238E27FC236}">
+                <a16:creationId xmlns:a16="http://schemas.microsoft.com/office/drawing/2014/main" id="{14461203-744A-4914-8818-7793711A7E7F}"/>
+              </a:ext>
+            </a:extLst>
+          </p:cNvPr>
+          <p:cNvSpPr/>
+          <p:nvPr/>
+        </p:nvSpPr>
+        <p:spPr>
+          <a:xfrm>
+            <a:off x="8077200" y="2162175"/>
+            <a:ext cx="1200882" cy="142875"/>
+          </a:xfrm>
+          <a:prstGeom prst="rect">
+            <a:avLst/>
+          </a:prstGeom>
+          <a:solidFill>
+            <a:schemeClr val="accent6"/>
+          </a:solidFill>
+          <a:ln>
+            <a:solidFill>
+              <a:schemeClr val="accent6"/>
+            </a:solidFill>
+          </a:ln>
+        </p:spPr>
+        <p:style>
+          <a:lnRef idx="2">
+            <a:schemeClr val="accent1">
+              <a:shade val="50000"/>
+            </a:schemeClr>
+          </a:lnRef>
+          <a:fillRef idx="1">
+            <a:schemeClr val="accent1"/>
+          </a:fillRef>
+          <a:effectRef idx="0">
+            <a:schemeClr val="accent1"/>
+          </a:effectRef>
+          <a:fontRef idx="minor">
+            <a:schemeClr val="lt1"/>
+          </a:fontRef>
+        </p:style>
+        <p:txBody>
+          <a:bodyPr rtlCol="0" anchor="ctr"/>
+          <a:lstStyle/>
+          <a:p>
+            <a:pPr algn="ctr"/>
+            <a:endParaRPr lang="hu-HU"/>
+          </a:p>
+        </p:txBody>
+      </p:sp>
+      <p:sp>
+        <p:nvSpPr>
+          <p:cNvPr id="36" name="Rectangle 35">
+            <a:extLst>
+              <a:ext uri="{FF2B5EF4-FFF2-40B4-BE49-F238E27FC236}">
+                <a16:creationId xmlns:a16="http://schemas.microsoft.com/office/drawing/2014/main" id="{FDDB1593-2911-4B3E-9339-6F07E9B6DE4A}"/>
+              </a:ext>
+            </a:extLst>
+          </p:cNvPr>
+          <p:cNvSpPr/>
+          <p:nvPr/>
+        </p:nvSpPr>
+        <p:spPr>
+          <a:xfrm>
+            <a:off x="8091669" y="2525798"/>
+            <a:ext cx="1200882" cy="142875"/>
+          </a:xfrm>
+          <a:prstGeom prst="rect">
+            <a:avLst/>
+          </a:prstGeom>
+          <a:solidFill>
+            <a:schemeClr val="accent6"/>
+          </a:solidFill>
+          <a:ln>
+            <a:solidFill>
+              <a:schemeClr val="accent6"/>
+            </a:solidFill>
+          </a:ln>
+        </p:spPr>
+        <p:style>
+          <a:lnRef idx="2">
+            <a:schemeClr val="accent1">
+              <a:shade val="50000"/>
+            </a:schemeClr>
+          </a:lnRef>
+          <a:fillRef idx="1">
+            <a:schemeClr val="accent1"/>
+          </a:fillRef>
+          <a:effectRef idx="0">
+            <a:schemeClr val="accent1"/>
+          </a:effectRef>
+          <a:fontRef idx="minor">
+            <a:schemeClr val="lt1"/>
+          </a:fontRef>
+        </p:style>
+        <p:txBody>
+          <a:bodyPr rtlCol="0" anchor="ctr"/>
+          <a:lstStyle/>
+          <a:p>
+            <a:pPr algn="ctr"/>
+            <a:endParaRPr lang="hu-HU"/>
+          </a:p>
+        </p:txBody>
+      </p:sp>
+      <p:sp>
+        <p:nvSpPr>
+          <p:cNvPr id="37" name="Rectangle 36">
+            <a:extLst>
+              <a:ext uri="{FF2B5EF4-FFF2-40B4-BE49-F238E27FC236}">
+                <a16:creationId xmlns:a16="http://schemas.microsoft.com/office/drawing/2014/main" id="{2ED15C0D-2A8A-4EFC-83FD-DF529D8A5691}"/>
+              </a:ext>
+            </a:extLst>
+          </p:cNvPr>
+          <p:cNvSpPr/>
+          <p:nvPr/>
+        </p:nvSpPr>
+        <p:spPr>
+          <a:xfrm>
+            <a:off x="8091669" y="2863937"/>
+            <a:ext cx="1200882" cy="142875"/>
+          </a:xfrm>
+          <a:prstGeom prst="rect">
+            <a:avLst/>
+          </a:prstGeom>
+          <a:solidFill>
+            <a:schemeClr val="accent6"/>
+          </a:solidFill>
+          <a:ln>
+            <a:solidFill>
+              <a:schemeClr val="accent6"/>
+            </a:solidFill>
+          </a:ln>
+        </p:spPr>
+        <p:style>
+          <a:lnRef idx="2">
+            <a:schemeClr val="accent1">
+              <a:shade val="50000"/>
+            </a:schemeClr>
+          </a:lnRef>
+          <a:fillRef idx="1">
+            <a:schemeClr val="accent1"/>
+          </a:fillRef>
+          <a:effectRef idx="0">
+            <a:schemeClr val="accent1"/>
+          </a:effectRef>
+          <a:fontRef idx="minor">
+            <a:schemeClr val="lt1"/>
+          </a:fontRef>
+        </p:style>
+        <p:txBody>
+          <a:bodyPr rtlCol="0" anchor="ctr"/>
+          <a:lstStyle/>
+          <a:p>
+            <a:pPr algn="ctr"/>
+            <a:endParaRPr lang="hu-HU"/>
+          </a:p>
+        </p:txBody>
+      </p:sp>
+      <p:sp>
+        <p:nvSpPr>
+          <p:cNvPr id="38" name="Rectangle 37">
+            <a:extLst>
+              <a:ext uri="{FF2B5EF4-FFF2-40B4-BE49-F238E27FC236}">
+                <a16:creationId xmlns:a16="http://schemas.microsoft.com/office/drawing/2014/main" id="{ED62C1E1-EEB1-489D-A596-7E4F979D199F}"/>
+              </a:ext>
+            </a:extLst>
+          </p:cNvPr>
+          <p:cNvSpPr/>
+          <p:nvPr/>
+        </p:nvSpPr>
+        <p:spPr>
+          <a:xfrm>
+            <a:off x="8101561" y="3202076"/>
+            <a:ext cx="1200882" cy="142875"/>
+          </a:xfrm>
+          <a:prstGeom prst="rect">
+            <a:avLst/>
+          </a:prstGeom>
+          <a:solidFill>
+            <a:schemeClr val="accent6"/>
+          </a:solidFill>
+          <a:ln>
+            <a:solidFill>
+              <a:schemeClr val="accent6"/>
+            </a:solidFill>
+          </a:ln>
+        </p:spPr>
+        <p:style>
+          <a:lnRef idx="2">
+            <a:schemeClr val="accent1">
+              <a:shade val="50000"/>
+            </a:schemeClr>
+          </a:lnRef>
+          <a:fillRef idx="1">
+            <a:schemeClr val="accent1"/>
+          </a:fillRef>
+          <a:effectRef idx="0">
+            <a:schemeClr val="accent1"/>
+          </a:effectRef>
+          <a:fontRef idx="minor">
+            <a:schemeClr val="lt1"/>
+          </a:fontRef>
+        </p:style>
+        <p:txBody>
+          <a:bodyPr rtlCol="0" anchor="ctr"/>
+          <a:lstStyle/>
+          <a:p>
+            <a:pPr algn="ctr"/>
+            <a:endParaRPr lang="hu-HU"/>
+          </a:p>
+        </p:txBody>
+      </p:sp>
+      <p:pic>
+        <p:nvPicPr>
+          <p:cNvPr id="48" name="Graphic 47" descr="Add with solid fill">
+            <a:extLst>
+              <a:ext uri="{FF2B5EF4-FFF2-40B4-BE49-F238E27FC236}">
+                <a16:creationId xmlns:a16="http://schemas.microsoft.com/office/drawing/2014/main" id="{9FB6A253-AAC8-4207-9E86-1B1FA81DCD76}"/>
+              </a:ext>
+            </a:extLst>
+          </p:cNvPr>
+          <p:cNvPicPr>
+            <a:picLocks noChangeAspect="1"/>
+          </p:cNvPicPr>
+          <p:nvPr/>
+        </p:nvPicPr>
+        <p:blipFill>
+          <a:blip r:embed="rId5">
+            <a:extLst>
+              <a:ext uri="{96DAC541-7B7A-43D3-8B79-37D633B846F1}">
+                <asvg:svgBlip xmlns:asvg="http://schemas.microsoft.com/office/drawing/2016/SVG/main" r:embed="rId6"/>
+              </a:ext>
+            </a:extLst>
+          </a:blip>
+          <a:stretch>
+            <a:fillRect/>
+          </a:stretch>
+        </p:blipFill>
+        <p:spPr>
+          <a:xfrm>
+            <a:off x="9580812" y="2510094"/>
+            <a:ext cx="461962" cy="461962"/>
+          </a:xfrm>
+          <a:prstGeom prst="rect">
+            <a:avLst/>
+          </a:prstGeom>
+        </p:spPr>
+      </p:pic>
+      <p:sp>
+        <p:nvSpPr>
+          <p:cNvPr id="49" name="Rectangle 48">
+            <a:extLst>
+              <a:ext uri="{FF2B5EF4-FFF2-40B4-BE49-F238E27FC236}">
+                <a16:creationId xmlns:a16="http://schemas.microsoft.com/office/drawing/2014/main" id="{825DD97E-8A93-4C1A-859F-A6776171C009}"/>
+              </a:ext>
+            </a:extLst>
+          </p:cNvPr>
+          <p:cNvSpPr/>
+          <p:nvPr/>
+        </p:nvSpPr>
+        <p:spPr>
+          <a:xfrm>
+            <a:off x="10312096" y="2156704"/>
+            <a:ext cx="1200882" cy="142875"/>
+          </a:xfrm>
+          <a:prstGeom prst="rect">
+            <a:avLst/>
+          </a:prstGeom>
+          <a:solidFill>
+            <a:srgbClr val="FFC000"/>
+          </a:solidFill>
+          <a:ln>
+            <a:solidFill>
+              <a:srgbClr val="FFC000"/>
+            </a:solidFill>
+          </a:ln>
+        </p:spPr>
+        <p:style>
+          <a:lnRef idx="2">
+            <a:schemeClr val="accent1">
+              <a:shade val="50000"/>
+            </a:schemeClr>
+          </a:lnRef>
+          <a:fillRef idx="1">
+            <a:schemeClr val="accent1"/>
+          </a:fillRef>
+          <a:effectRef idx="0">
+            <a:schemeClr val="accent1"/>
+          </a:effectRef>
+          <a:fontRef idx="minor">
+            <a:schemeClr val="lt1"/>
+          </a:fontRef>
+        </p:style>
+        <p:txBody>
+          <a:bodyPr rtlCol="0" anchor="ctr"/>
+          <a:lstStyle/>
+          <a:p>
+            <a:pPr algn="ctr"/>
+            <a:endParaRPr lang="hu-HU"/>
+          </a:p>
+        </p:txBody>
+      </p:sp>
+      <p:sp>
+        <p:nvSpPr>
+          <p:cNvPr id="50" name="Rectangle 49">
+            <a:extLst>
+              <a:ext uri="{FF2B5EF4-FFF2-40B4-BE49-F238E27FC236}">
+                <a16:creationId xmlns:a16="http://schemas.microsoft.com/office/drawing/2014/main" id="{F3B4A039-42E3-40E6-A73A-4FF46ED1EE3A}"/>
+              </a:ext>
+            </a:extLst>
+          </p:cNvPr>
+          <p:cNvSpPr/>
+          <p:nvPr/>
+        </p:nvSpPr>
+        <p:spPr>
+          <a:xfrm>
+            <a:off x="10331035" y="2525798"/>
+            <a:ext cx="1200882" cy="142875"/>
+          </a:xfrm>
+          <a:prstGeom prst="rect">
+            <a:avLst/>
+          </a:prstGeom>
+          <a:solidFill>
+            <a:srgbClr val="FFC000"/>
+          </a:solidFill>
+          <a:ln>
+            <a:solidFill>
+              <a:srgbClr val="FFC000"/>
+            </a:solidFill>
+          </a:ln>
+        </p:spPr>
+        <p:style>
+          <a:lnRef idx="2">
+            <a:schemeClr val="accent1">
+              <a:shade val="50000"/>
+            </a:schemeClr>
+          </a:lnRef>
+          <a:fillRef idx="1">
+            <a:schemeClr val="accent1"/>
+          </a:fillRef>
+          <a:effectRef idx="0">
+            <a:schemeClr val="accent1"/>
+          </a:effectRef>
+          <a:fontRef idx="minor">
+            <a:schemeClr val="lt1"/>
+          </a:fontRef>
+        </p:style>
+        <p:txBody>
+          <a:bodyPr rtlCol="0" anchor="ctr"/>
+          <a:lstStyle/>
+          <a:p>
+            <a:pPr algn="ctr"/>
+            <a:endParaRPr lang="hu-HU"/>
+          </a:p>
+        </p:txBody>
+      </p:sp>
+      <p:sp>
+        <p:nvSpPr>
+          <p:cNvPr id="51" name="Rectangle 50">
+            <a:extLst>
+              <a:ext uri="{FF2B5EF4-FFF2-40B4-BE49-F238E27FC236}">
+                <a16:creationId xmlns:a16="http://schemas.microsoft.com/office/drawing/2014/main" id="{5B2F86DA-7A1C-4A2E-B452-B435DBF9D994}"/>
+              </a:ext>
+            </a:extLst>
+          </p:cNvPr>
+          <p:cNvSpPr/>
+          <p:nvPr/>
+        </p:nvSpPr>
+        <p:spPr>
+          <a:xfrm>
+            <a:off x="10312096" y="2863936"/>
+            <a:ext cx="1200882" cy="142875"/>
+          </a:xfrm>
+          <a:prstGeom prst="rect">
+            <a:avLst/>
+          </a:prstGeom>
+          <a:solidFill>
+            <a:srgbClr val="FFC000"/>
+          </a:solidFill>
+          <a:ln>
+            <a:solidFill>
+              <a:srgbClr val="FFC000"/>
+            </a:solidFill>
+          </a:ln>
+        </p:spPr>
+        <p:style>
+          <a:lnRef idx="2">
+            <a:schemeClr val="accent1">
+              <a:shade val="50000"/>
+            </a:schemeClr>
+          </a:lnRef>
+          <a:fillRef idx="1">
+            <a:schemeClr val="accent1"/>
+          </a:fillRef>
+          <a:effectRef idx="0">
+            <a:schemeClr val="accent1"/>
+          </a:effectRef>
+          <a:fontRef idx="minor">
+            <a:schemeClr val="lt1"/>
+          </a:fontRef>
+        </p:style>
+        <p:txBody>
+          <a:bodyPr rtlCol="0" anchor="ctr"/>
+          <a:lstStyle/>
+          <a:p>
+            <a:pPr algn="ctr"/>
+            <a:endParaRPr lang="hu-HU"/>
+          </a:p>
+        </p:txBody>
+      </p:sp>
+      <p:sp>
+        <p:nvSpPr>
+          <p:cNvPr id="52" name="Rectangle 51">
+            <a:extLst>
+              <a:ext uri="{FF2B5EF4-FFF2-40B4-BE49-F238E27FC236}">
+                <a16:creationId xmlns:a16="http://schemas.microsoft.com/office/drawing/2014/main" id="{4440272B-F4DA-478F-8E7F-A6206FC78B79}"/>
+              </a:ext>
+            </a:extLst>
+          </p:cNvPr>
+          <p:cNvSpPr/>
+          <p:nvPr/>
+        </p:nvSpPr>
+        <p:spPr>
+          <a:xfrm>
+            <a:off x="10299236" y="3202074"/>
+            <a:ext cx="1200882" cy="142875"/>
+          </a:xfrm>
+          <a:prstGeom prst="rect">
+            <a:avLst/>
+          </a:prstGeom>
+          <a:solidFill>
+            <a:srgbClr val="FFC000"/>
+          </a:solidFill>
+          <a:ln>
+            <a:solidFill>
+              <a:srgbClr val="FFC000"/>
+            </a:solidFill>
+          </a:ln>
+        </p:spPr>
+        <p:style>
+          <a:lnRef idx="2">
+            <a:schemeClr val="accent1">
+              <a:shade val="50000"/>
+            </a:schemeClr>
+          </a:lnRef>
+          <a:fillRef idx="1">
+            <a:schemeClr val="accent1"/>
+          </a:fillRef>
+          <a:effectRef idx="0">
+            <a:schemeClr val="accent1"/>
+          </a:effectRef>
+          <a:fontRef idx="minor">
+            <a:schemeClr val="lt1"/>
+          </a:fontRef>
+        </p:style>
+        <p:txBody>
+          <a:bodyPr rtlCol="0" anchor="ctr"/>
+          <a:lstStyle/>
+          <a:p>
+            <a:pPr algn="ctr"/>
+            <a:endParaRPr lang="hu-HU"/>
+          </a:p>
+        </p:txBody>
+      </p:sp>
+      <p:pic>
+        <p:nvPicPr>
+          <p:cNvPr id="54" name="Graphic 53" descr="Chevron arrows with solid fill">
+            <a:extLst>
+              <a:ext uri="{FF2B5EF4-FFF2-40B4-BE49-F238E27FC236}">
+                <a16:creationId xmlns:a16="http://schemas.microsoft.com/office/drawing/2014/main" id="{980DF6B9-1B5C-4022-8419-11A6201ED84B}"/>
+              </a:ext>
+            </a:extLst>
+          </p:cNvPr>
+          <p:cNvPicPr>
+            <a:picLocks noChangeAspect="1"/>
+          </p:cNvPicPr>
+          <p:nvPr/>
+        </p:nvPicPr>
+        <p:blipFill>
+          <a:blip r:embed="rId7">
+            <a:extLst>
+              <a:ext uri="{96DAC541-7B7A-43D3-8B79-37D633B846F1}">
+                <asvg:svgBlip xmlns:asvg="http://schemas.microsoft.com/office/drawing/2016/SVG/main" r:embed="rId8"/>
+              </a:ext>
+            </a:extLst>
+          </a:blip>
+          <a:stretch>
+            <a:fillRect/>
+          </a:stretch>
+        </p:blipFill>
+        <p:spPr>
+          <a:xfrm>
+            <a:off x="9354593" y="3510475"/>
+            <a:ext cx="914400" cy="914400"/>
+          </a:xfrm>
+          <a:prstGeom prst="rect">
+            <a:avLst/>
+          </a:prstGeom>
+        </p:spPr>
+      </p:pic>
+      <p:sp>
+        <p:nvSpPr>
+          <p:cNvPr id="55" name="Rectangle 54">
+            <a:extLst>
+              <a:ext uri="{FF2B5EF4-FFF2-40B4-BE49-F238E27FC236}">
+                <a16:creationId xmlns:a16="http://schemas.microsoft.com/office/drawing/2014/main" id="{42B00416-C5B0-4A6C-A3E4-230F0C6EC323}"/>
+              </a:ext>
+            </a:extLst>
+          </p:cNvPr>
+          <p:cNvSpPr/>
+          <p:nvPr/>
+        </p:nvSpPr>
+        <p:spPr>
+          <a:xfrm>
+            <a:off x="9165246" y="4556612"/>
+            <a:ext cx="1200882" cy="142875"/>
+          </a:xfrm>
+          <a:prstGeom prst="rect">
+            <a:avLst/>
+          </a:prstGeom>
+          <a:solidFill>
+            <a:schemeClr val="accent6"/>
+          </a:solidFill>
+          <a:ln>
+            <a:solidFill>
+              <a:schemeClr val="accent6"/>
+            </a:solidFill>
+          </a:ln>
+        </p:spPr>
+        <p:style>
+          <a:lnRef idx="2">
+            <a:schemeClr val="accent1">
+              <a:shade val="50000"/>
+            </a:schemeClr>
+          </a:lnRef>
+          <a:fillRef idx="1">
+            <a:schemeClr val="accent1"/>
+          </a:fillRef>
+          <a:effectRef idx="0">
+            <a:schemeClr val="accent1"/>
+          </a:effectRef>
+          <a:fontRef idx="minor">
+            <a:schemeClr val="lt1"/>
+          </a:fontRef>
+        </p:style>
+        <p:txBody>
+          <a:bodyPr rtlCol="0" anchor="ctr"/>
+          <a:lstStyle/>
+          <a:p>
+            <a:pPr algn="ctr"/>
+            <a:endParaRPr lang="hu-HU"/>
+          </a:p>
+        </p:txBody>
+      </p:sp>
+      <p:sp>
+        <p:nvSpPr>
+          <p:cNvPr id="56" name="Rectangle 55">
+            <a:extLst>
+              <a:ext uri="{FF2B5EF4-FFF2-40B4-BE49-F238E27FC236}">
+                <a16:creationId xmlns:a16="http://schemas.microsoft.com/office/drawing/2014/main" id="{6430CE88-F0BC-4CE0-88D4-1C0E8B5E436E}"/>
+              </a:ext>
+            </a:extLst>
+          </p:cNvPr>
+          <p:cNvSpPr/>
+          <p:nvPr/>
+        </p:nvSpPr>
+        <p:spPr>
+          <a:xfrm>
+            <a:off x="9163755" y="5013812"/>
+            <a:ext cx="1200882" cy="142875"/>
+          </a:xfrm>
+          <a:prstGeom prst="rect">
+            <a:avLst/>
+          </a:prstGeom>
+          <a:solidFill>
+            <a:schemeClr val="accent6"/>
+          </a:solidFill>
+          <a:ln>
+            <a:solidFill>
+              <a:schemeClr val="accent6"/>
+            </a:solidFill>
+          </a:ln>
+        </p:spPr>
+        <p:style>
+          <a:lnRef idx="2">
+            <a:schemeClr val="accent1">
+              <a:shade val="50000"/>
+            </a:schemeClr>
+          </a:lnRef>
+          <a:fillRef idx="1">
+            <a:schemeClr val="accent1"/>
+          </a:fillRef>
+          <a:effectRef idx="0">
+            <a:schemeClr val="accent1"/>
+          </a:effectRef>
+          <a:fontRef idx="minor">
+            <a:schemeClr val="lt1"/>
+          </a:fontRef>
+        </p:style>
+        <p:txBody>
+          <a:bodyPr rtlCol="0" anchor="ctr"/>
+          <a:lstStyle/>
+          <a:p>
+            <a:pPr algn="ctr"/>
+            <a:endParaRPr lang="hu-HU"/>
+          </a:p>
+        </p:txBody>
+      </p:sp>
+      <p:sp>
+        <p:nvSpPr>
+          <p:cNvPr id="57" name="Rectangle 56">
+            <a:extLst>
+              <a:ext uri="{FF2B5EF4-FFF2-40B4-BE49-F238E27FC236}">
+                <a16:creationId xmlns:a16="http://schemas.microsoft.com/office/drawing/2014/main" id="{DA821750-6D74-4D6C-8B9D-92B3E578B5CA}"/>
+              </a:ext>
+            </a:extLst>
+          </p:cNvPr>
+          <p:cNvSpPr/>
+          <p:nvPr/>
+        </p:nvSpPr>
+        <p:spPr>
+          <a:xfrm>
+            <a:off x="9163755" y="5471012"/>
+            <a:ext cx="1200882" cy="142875"/>
+          </a:xfrm>
+          <a:prstGeom prst="rect">
+            <a:avLst/>
+          </a:prstGeom>
+          <a:solidFill>
+            <a:schemeClr val="accent6"/>
+          </a:solidFill>
+          <a:ln>
+            <a:solidFill>
+              <a:schemeClr val="accent6"/>
+            </a:solidFill>
+          </a:ln>
+        </p:spPr>
+        <p:style>
+          <a:lnRef idx="2">
+            <a:schemeClr val="accent1">
+              <a:shade val="50000"/>
+            </a:schemeClr>
+          </a:lnRef>
+          <a:fillRef idx="1">
+            <a:schemeClr val="accent1"/>
+          </a:fillRef>
+          <a:effectRef idx="0">
+            <a:schemeClr val="accent1"/>
+          </a:effectRef>
+          <a:fontRef idx="minor">
+            <a:schemeClr val="lt1"/>
+          </a:fontRef>
+        </p:style>
+        <p:txBody>
+          <a:bodyPr rtlCol="0" anchor="ctr"/>
+          <a:lstStyle/>
+          <a:p>
+            <a:pPr algn="ctr"/>
+            <a:endParaRPr lang="hu-HU"/>
+          </a:p>
+        </p:txBody>
+      </p:sp>
+      <p:sp>
+        <p:nvSpPr>
+          <p:cNvPr id="58" name="Rectangle 57">
+            <a:extLst>
+              <a:ext uri="{FF2B5EF4-FFF2-40B4-BE49-F238E27FC236}">
+                <a16:creationId xmlns:a16="http://schemas.microsoft.com/office/drawing/2014/main" id="{724CA042-466B-42E0-BC28-D1479219E65C}"/>
+              </a:ext>
+            </a:extLst>
+          </p:cNvPr>
+          <p:cNvSpPr/>
+          <p:nvPr/>
+        </p:nvSpPr>
+        <p:spPr>
+          <a:xfrm>
+            <a:off x="9163755" y="5926600"/>
+            <a:ext cx="1200882" cy="142875"/>
+          </a:xfrm>
+          <a:prstGeom prst="rect">
+            <a:avLst/>
+          </a:prstGeom>
+          <a:solidFill>
+            <a:schemeClr val="accent6"/>
+          </a:solidFill>
+          <a:ln>
+            <a:solidFill>
+              <a:schemeClr val="accent6"/>
+            </a:solidFill>
+          </a:ln>
+        </p:spPr>
+        <p:style>
+          <a:lnRef idx="2">
+            <a:schemeClr val="accent1">
+              <a:shade val="50000"/>
+            </a:schemeClr>
+          </a:lnRef>
+          <a:fillRef idx="1">
+            <a:schemeClr val="accent1"/>
+          </a:fillRef>
+          <a:effectRef idx="0">
+            <a:schemeClr val="accent1"/>
+          </a:effectRef>
+          <a:fontRef idx="minor">
+            <a:schemeClr val="lt1"/>
+          </a:fontRef>
+        </p:style>
+        <p:txBody>
+          <a:bodyPr rtlCol="0" anchor="ctr"/>
+          <a:lstStyle/>
+          <a:p>
+            <a:pPr algn="ctr"/>
+            <a:endParaRPr lang="hu-HU"/>
+          </a:p>
+        </p:txBody>
+      </p:sp>
+      <p:sp>
+        <p:nvSpPr>
+          <p:cNvPr id="59" name="Rectangle 58">
+            <a:extLst>
+              <a:ext uri="{FF2B5EF4-FFF2-40B4-BE49-F238E27FC236}">
+                <a16:creationId xmlns:a16="http://schemas.microsoft.com/office/drawing/2014/main" id="{6542D673-5FE0-454F-9B29-579012732863}"/>
+              </a:ext>
+            </a:extLst>
+          </p:cNvPr>
+          <p:cNvSpPr/>
+          <p:nvPr/>
+        </p:nvSpPr>
+        <p:spPr>
+          <a:xfrm>
+            <a:off x="9165246" y="4785212"/>
+            <a:ext cx="1200882" cy="142875"/>
+          </a:xfrm>
+          <a:prstGeom prst="rect">
+            <a:avLst/>
+          </a:prstGeom>
+          <a:solidFill>
+            <a:srgbClr val="FFC000"/>
+          </a:solidFill>
+          <a:ln>
+            <a:solidFill>
+              <a:srgbClr val="FFC000"/>
+            </a:solidFill>
+          </a:ln>
+        </p:spPr>
+        <p:style>
+          <a:lnRef idx="2">
+            <a:schemeClr val="accent1">
+              <a:shade val="50000"/>
+            </a:schemeClr>
+          </a:lnRef>
+          <a:fillRef idx="1">
+            <a:schemeClr val="accent1"/>
+          </a:fillRef>
+          <a:effectRef idx="0">
+            <a:schemeClr val="accent1"/>
+          </a:effectRef>
+          <a:fontRef idx="minor">
+            <a:schemeClr val="lt1"/>
+          </a:fontRef>
+        </p:style>
+        <p:txBody>
+          <a:bodyPr rtlCol="0" anchor="ctr"/>
+          <a:lstStyle/>
+          <a:p>
+            <a:pPr algn="ctr"/>
+            <a:endParaRPr lang="hu-HU"/>
+          </a:p>
+        </p:txBody>
+      </p:sp>
+      <p:sp>
+        <p:nvSpPr>
+          <p:cNvPr id="60" name="Rectangle 59">
+            <a:extLst>
+              <a:ext uri="{FF2B5EF4-FFF2-40B4-BE49-F238E27FC236}">
+                <a16:creationId xmlns:a16="http://schemas.microsoft.com/office/drawing/2014/main" id="{B46934DF-B1F0-41D3-99A7-D7CBC0D5EFD3}"/>
+              </a:ext>
+            </a:extLst>
+          </p:cNvPr>
+          <p:cNvSpPr/>
+          <p:nvPr/>
+        </p:nvSpPr>
+        <p:spPr>
+          <a:xfrm>
+            <a:off x="9165246" y="5242866"/>
+            <a:ext cx="1200882" cy="142875"/>
+          </a:xfrm>
+          <a:prstGeom prst="rect">
+            <a:avLst/>
+          </a:prstGeom>
+          <a:solidFill>
+            <a:srgbClr val="FFC000"/>
+          </a:solidFill>
+          <a:ln>
+            <a:solidFill>
+              <a:srgbClr val="FFC000"/>
+            </a:solidFill>
+          </a:ln>
+        </p:spPr>
+        <p:style>
+          <a:lnRef idx="2">
+            <a:schemeClr val="accent1">
+              <a:shade val="50000"/>
+            </a:schemeClr>
+          </a:lnRef>
+          <a:fillRef idx="1">
+            <a:schemeClr val="accent1"/>
+          </a:fillRef>
+          <a:effectRef idx="0">
+            <a:schemeClr val="accent1"/>
+          </a:effectRef>
+          <a:fontRef idx="minor">
+            <a:schemeClr val="lt1"/>
+          </a:fontRef>
+        </p:style>
+        <p:txBody>
+          <a:bodyPr rtlCol="0" anchor="ctr"/>
+          <a:lstStyle/>
+          <a:p>
+            <a:pPr algn="ctr"/>
+            <a:endParaRPr lang="hu-HU"/>
+          </a:p>
+        </p:txBody>
+      </p:sp>
+      <p:sp>
+        <p:nvSpPr>
+          <p:cNvPr id="61" name="Rectangle 60">
+            <a:extLst>
+              <a:ext uri="{FF2B5EF4-FFF2-40B4-BE49-F238E27FC236}">
+                <a16:creationId xmlns:a16="http://schemas.microsoft.com/office/drawing/2014/main" id="{1FD47D7A-43AB-44A8-A059-D2EF434A3606}"/>
+              </a:ext>
+            </a:extLst>
+          </p:cNvPr>
+          <p:cNvSpPr/>
+          <p:nvPr/>
+        </p:nvSpPr>
+        <p:spPr>
+          <a:xfrm>
+            <a:off x="9165246" y="5698806"/>
+            <a:ext cx="1200882" cy="142875"/>
+          </a:xfrm>
+          <a:prstGeom prst="rect">
+            <a:avLst/>
+          </a:prstGeom>
+          <a:solidFill>
+            <a:srgbClr val="FFC000"/>
+          </a:solidFill>
+          <a:ln>
+            <a:solidFill>
+              <a:srgbClr val="FFC000"/>
+            </a:solidFill>
+          </a:ln>
+        </p:spPr>
+        <p:style>
+          <a:lnRef idx="2">
+            <a:schemeClr val="accent1">
+              <a:shade val="50000"/>
+            </a:schemeClr>
+          </a:lnRef>
+          <a:fillRef idx="1">
+            <a:schemeClr val="accent1"/>
+          </a:fillRef>
+          <a:effectRef idx="0">
+            <a:schemeClr val="accent1"/>
+          </a:effectRef>
+          <a:fontRef idx="minor">
+            <a:schemeClr val="lt1"/>
+          </a:fontRef>
+        </p:style>
+        <p:txBody>
+          <a:bodyPr rtlCol="0" anchor="ctr"/>
+          <a:lstStyle/>
+          <a:p>
+            <a:pPr algn="ctr"/>
+            <a:endParaRPr lang="hu-HU"/>
+          </a:p>
+        </p:txBody>
+      </p:sp>
+      <p:sp>
+        <p:nvSpPr>
+          <p:cNvPr id="62" name="Rectangle 61">
+            <a:extLst>
+              <a:ext uri="{FF2B5EF4-FFF2-40B4-BE49-F238E27FC236}">
+                <a16:creationId xmlns:a16="http://schemas.microsoft.com/office/drawing/2014/main" id="{5369C187-D0BC-418A-BC8E-CC6D19DE6E81}"/>
+              </a:ext>
+            </a:extLst>
+          </p:cNvPr>
+          <p:cNvSpPr/>
+          <p:nvPr/>
+        </p:nvSpPr>
+        <p:spPr>
+          <a:xfrm>
+            <a:off x="9165246" y="4332056"/>
+            <a:ext cx="1200882" cy="142875"/>
+          </a:xfrm>
+          <a:prstGeom prst="rect">
+            <a:avLst/>
+          </a:prstGeom>
+          <a:solidFill>
+            <a:srgbClr val="FFC000"/>
+          </a:solidFill>
+          <a:ln>
+            <a:solidFill>
+              <a:srgbClr val="FFC000"/>
+            </a:solidFill>
+          </a:ln>
+        </p:spPr>
+        <p:style>
+          <a:lnRef idx="2">
+            <a:schemeClr val="accent1">
+              <a:shade val="50000"/>
+            </a:schemeClr>
+          </a:lnRef>
+          <a:fillRef idx="1">
+            <a:schemeClr val="accent1"/>
+          </a:fillRef>
+          <a:effectRef idx="0">
+            <a:schemeClr val="accent1"/>
+          </a:effectRef>
+          <a:fontRef idx="minor">
+            <a:schemeClr val="lt1"/>
+          </a:fontRef>
+        </p:style>
+        <p:txBody>
+          <a:bodyPr rtlCol="0" anchor="ctr"/>
+          <a:lstStyle/>
+          <a:p>
+            <a:pPr algn="ctr"/>
+            <a:endParaRPr lang="hu-HU"/>
+          </a:p>
+        </p:txBody>
+      </p:sp>
     </p:spTree>
     <p:extLst>
       <p:ext uri="{BB962C8B-B14F-4D97-AF65-F5344CB8AC3E}">
-        <p14:creationId xmlns:p14="http://schemas.microsoft.com/office/powerpoint/2010/main" val="3201540617"/>
+        <p14:creationId xmlns:p14="http://schemas.microsoft.com/office/powerpoint/2010/main" val="1393161198"/>
+      </p:ext>
+    </p:extLst>
+  </p:cSld>
+  <p:clrMapOvr>
+    <a:masterClrMapping/>
+  </p:clrMapOvr>
+</p:sld>
+</file>
+
+<file path=ppt/slides/slide3.xml><?xml version="1.0" encoding="utf-8"?>
+<p:sld xmlns:a="http://schemas.openxmlformats.org/drawingml/2006/main" xmlns:r="http://schemas.openxmlformats.org/officeDocument/2006/relationships" xmlns:p="http://schemas.openxmlformats.org/presentationml/2006/main">
+  <p:cSld>
+    <p:spTree>
+      <p:nvGrpSpPr>
+        <p:cNvPr id="1" name=""/>
+        <p:cNvGrpSpPr/>
+        <p:nvPr/>
+      </p:nvGrpSpPr>
+      <p:grpSpPr>
+        <a:xfrm>
+          <a:off x="0" y="0"/>
+          <a:ext cx="0" cy="0"/>
+          <a:chOff x="0" y="0"/>
+          <a:chExt cx="0" cy="0"/>
+        </a:xfrm>
+      </p:grpSpPr>
+      <p:sp>
+        <p:nvSpPr>
+          <p:cNvPr id="2" name="Title 1">
+            <a:extLst>
+              <a:ext uri="{FF2B5EF4-FFF2-40B4-BE49-F238E27FC236}">
+                <a16:creationId xmlns:a16="http://schemas.microsoft.com/office/drawing/2014/main" id="{3CD1A6F7-B1C5-4CF7-9138-737FCFFAB41C}"/>
+              </a:ext>
+            </a:extLst>
+          </p:cNvPr>
+          <p:cNvSpPr>
+            <a:spLocks noGrp="1"/>
+          </p:cNvSpPr>
+          <p:nvPr>
+            <p:ph type="title"/>
+          </p:nvPr>
+        </p:nvSpPr>
+        <p:spPr/>
+        <p:txBody>
+          <a:bodyPr/>
+          <a:lstStyle/>
+          <a:p>
+            <a:endParaRPr lang="hu-HU"/>
+          </a:p>
+        </p:txBody>
+      </p:sp>
+      <p:sp>
+        <p:nvSpPr>
+          <p:cNvPr id="3" name="Content Placeholder 2">
+            <a:extLst>
+              <a:ext uri="{FF2B5EF4-FFF2-40B4-BE49-F238E27FC236}">
+                <a16:creationId xmlns:a16="http://schemas.microsoft.com/office/drawing/2014/main" id="{C1AB9AAA-D125-4383-987F-09D7199D7696}"/>
+              </a:ext>
+            </a:extLst>
+          </p:cNvPr>
+          <p:cNvSpPr>
+            <a:spLocks noGrp="1"/>
+          </p:cNvSpPr>
+          <p:nvPr>
+            <p:ph idx="1"/>
+          </p:nvPr>
+        </p:nvSpPr>
+        <p:spPr/>
+        <p:txBody>
+          <a:bodyPr/>
+          <a:lstStyle/>
+          <a:p>
+            <a:endParaRPr lang="hu-HU"/>
+          </a:p>
+        </p:txBody>
+      </p:sp>
+    </p:spTree>
+    <p:extLst>
+      <p:ext uri="{BB962C8B-B14F-4D97-AF65-F5344CB8AC3E}">
+        <p14:creationId xmlns:p14="http://schemas.microsoft.com/office/powerpoint/2010/main" val="549686444"/>
+      </p:ext>
+    </p:extLst>
+  </p:cSld>
+  <p:clrMapOvr>
+    <a:masterClrMapping/>
+  </p:clrMapOvr>
+</p:sld>
+</file>
+
+<file path=ppt/slides/slide4.xml><?xml version="1.0" encoding="utf-8"?>
+<p:sld xmlns:a="http://schemas.openxmlformats.org/drawingml/2006/main" xmlns:r="http://schemas.openxmlformats.org/officeDocument/2006/relationships" xmlns:p="http://schemas.openxmlformats.org/presentationml/2006/main">
+  <p:cSld>
+    <p:spTree>
+      <p:nvGrpSpPr>
+        <p:cNvPr id="1" name=""/>
+        <p:cNvGrpSpPr/>
+        <p:nvPr/>
+      </p:nvGrpSpPr>
+      <p:grpSpPr>
+        <a:xfrm>
+          <a:off x="0" y="0"/>
+          <a:ext cx="0" cy="0"/>
+          <a:chOff x="0" y="0"/>
+          <a:chExt cx="0" cy="0"/>
+        </a:xfrm>
+      </p:grpSpPr>
+      <p:sp>
+        <p:nvSpPr>
+          <p:cNvPr id="2" name="Title 1">
+            <a:extLst>
+              <a:ext uri="{FF2B5EF4-FFF2-40B4-BE49-F238E27FC236}">
+                <a16:creationId xmlns:a16="http://schemas.microsoft.com/office/drawing/2014/main" id="{3CD1A6F7-B1C5-4CF7-9138-737FCFFAB41C}"/>
+              </a:ext>
+            </a:extLst>
+          </p:cNvPr>
+          <p:cNvSpPr>
+            <a:spLocks noGrp="1"/>
+          </p:cNvSpPr>
+          <p:nvPr>
+            <p:ph type="title"/>
+          </p:nvPr>
+        </p:nvSpPr>
+        <p:spPr/>
+        <p:txBody>
+          <a:bodyPr/>
+          <a:lstStyle/>
+          <a:p>
+            <a:endParaRPr lang="hu-HU"/>
+          </a:p>
+        </p:txBody>
+      </p:sp>
+      <p:sp>
+        <p:nvSpPr>
+          <p:cNvPr id="3" name="Content Placeholder 2">
+            <a:extLst>
+              <a:ext uri="{FF2B5EF4-FFF2-40B4-BE49-F238E27FC236}">
+                <a16:creationId xmlns:a16="http://schemas.microsoft.com/office/drawing/2014/main" id="{C1AB9AAA-D125-4383-987F-09D7199D7696}"/>
+              </a:ext>
+            </a:extLst>
+          </p:cNvPr>
+          <p:cNvSpPr>
+            <a:spLocks noGrp="1"/>
+          </p:cNvSpPr>
+          <p:nvPr>
+            <p:ph idx="1"/>
+          </p:nvPr>
+        </p:nvSpPr>
+        <p:spPr/>
+        <p:txBody>
+          <a:bodyPr/>
+          <a:lstStyle/>
+          <a:p>
+            <a:endParaRPr lang="hu-HU"/>
+          </a:p>
+        </p:txBody>
+      </p:sp>
+    </p:spTree>
+    <p:extLst>
+      <p:ext uri="{BB962C8B-B14F-4D97-AF65-F5344CB8AC3E}">
+        <p14:creationId xmlns:p14="http://schemas.microsoft.com/office/powerpoint/2010/main" val="2163798969"/>
       </p:ext>
     </p:extLst>
   </p:cSld>
